--- a/図作成用パワーポイント/grid.pptx
+++ b/図作成用パワーポイント/grid.pptx
@@ -2,12 +2,12 @@
 <file path=ppt/presentation.xml><?xml version="1.0" encoding="utf-8"?>
 <p:presentation xmlns:a="http://schemas.openxmlformats.org/drawingml/2006/main" xmlns:r="http://schemas.openxmlformats.org/officeDocument/2006/relationships" xmlns:p="http://schemas.openxmlformats.org/presentationml/2006/main" saveSubsetFonts="1">
   <p:sldMasterIdLst>
-    <p:sldMasterId id="2147483648" r:id="rId1"/>
+    <p:sldMasterId id="2147483672" r:id="rId1"/>
   </p:sldMasterIdLst>
   <p:sldIdLst>
     <p:sldId id="256" r:id="rId2"/>
   </p:sldIdLst>
-  <p:sldSz cx="12192000" cy="6858000"/>
+  <p:sldSz cx="12192000" cy="6119813"/>
   <p:notesSz cx="6858000" cy="9144000"/>
   <p:defaultTextStyle>
     <a:defPPr>
@@ -131,7 +131,7 @@
       </p:grpSpPr>
       <p:sp>
         <p:nvSpPr>
-          <p:cNvPr id="2" name="タイトル 1"/>
+          <p:cNvPr id="2" name="Title 1"/>
           <p:cNvSpPr>
             <a:spLocks noGrp="1"/>
           </p:cNvSpPr>
@@ -141,29 +141,29 @@
         </p:nvSpPr>
         <p:spPr>
           <a:xfrm>
-            <a:off x="1524000" y="1122363"/>
-            <a:ext cx="9144000" cy="2387600"/>
+            <a:off x="1524000" y="1001553"/>
+            <a:ext cx="9144000" cy="2130602"/>
           </a:xfrm>
         </p:spPr>
         <p:txBody>
           <a:bodyPr anchor="b"/>
           <a:lstStyle>
             <a:lvl1pPr algn="ctr">
-              <a:defRPr sz="6000"/>
+              <a:defRPr sz="5354"/>
             </a:lvl1pPr>
           </a:lstStyle>
           <a:p>
             <a:r>
-              <a:rPr kumimoji="1" lang="ja-JP" altLang="en-US" smtClean="0"/>
+              <a:rPr lang="ja-JP" altLang="en-US" smtClean="0"/>
               <a:t>マスター タイトルの書式設定</a:t>
             </a:r>
-            <a:endParaRPr kumimoji="1" lang="ja-JP" altLang="en-US"/>
+            <a:endParaRPr lang="en-US" dirty="0"/>
           </a:p>
         </p:txBody>
       </p:sp>
       <p:sp>
         <p:nvSpPr>
-          <p:cNvPr id="3" name="サブタイトル 2"/>
+          <p:cNvPr id="3" name="Subtitle 2"/>
           <p:cNvSpPr>
             <a:spLocks noGrp="1"/>
           </p:cNvSpPr>
@@ -173,8 +173,8 @@
         </p:nvSpPr>
         <p:spPr>
           <a:xfrm>
-            <a:off x="1524000" y="3602038"/>
-            <a:ext cx="9144000" cy="1655762"/>
+            <a:off x="1524000" y="3214319"/>
+            <a:ext cx="9144000" cy="1477538"/>
           </a:xfrm>
         </p:spPr>
         <p:txBody>
@@ -182,53 +182,53 @@
           <a:lstStyle>
             <a:lvl1pPr marL="0" indent="0" algn="ctr">
               <a:buNone/>
-              <a:defRPr sz="2400"/>
+              <a:defRPr sz="2142"/>
             </a:lvl1pPr>
-            <a:lvl2pPr marL="457200" indent="0" algn="ctr">
+            <a:lvl2pPr marL="408005" indent="0" algn="ctr">
               <a:buNone/>
-              <a:defRPr sz="2000"/>
+              <a:defRPr sz="1785"/>
             </a:lvl2pPr>
-            <a:lvl3pPr marL="914400" indent="0" algn="ctr">
+            <a:lvl3pPr marL="816011" indent="0" algn="ctr">
               <a:buNone/>
-              <a:defRPr sz="1800"/>
+              <a:defRPr sz="1606"/>
             </a:lvl3pPr>
-            <a:lvl4pPr marL="1371600" indent="0" algn="ctr">
+            <a:lvl4pPr marL="1224016" indent="0" algn="ctr">
               <a:buNone/>
-              <a:defRPr sz="1600"/>
+              <a:defRPr sz="1428"/>
             </a:lvl4pPr>
-            <a:lvl5pPr marL="1828800" indent="0" algn="ctr">
+            <a:lvl5pPr marL="1632021" indent="0" algn="ctr">
               <a:buNone/>
-              <a:defRPr sz="1600"/>
+              <a:defRPr sz="1428"/>
             </a:lvl5pPr>
-            <a:lvl6pPr marL="2286000" indent="0" algn="ctr">
+            <a:lvl6pPr marL="2040026" indent="0" algn="ctr">
               <a:buNone/>
-              <a:defRPr sz="1600"/>
+              <a:defRPr sz="1428"/>
             </a:lvl6pPr>
-            <a:lvl7pPr marL="2743200" indent="0" algn="ctr">
+            <a:lvl7pPr marL="2448032" indent="0" algn="ctr">
               <a:buNone/>
-              <a:defRPr sz="1600"/>
+              <a:defRPr sz="1428"/>
             </a:lvl7pPr>
-            <a:lvl8pPr marL="3200400" indent="0" algn="ctr">
+            <a:lvl8pPr marL="2856037" indent="0" algn="ctr">
               <a:buNone/>
-              <a:defRPr sz="1600"/>
+              <a:defRPr sz="1428"/>
             </a:lvl8pPr>
-            <a:lvl9pPr marL="3657600" indent="0" algn="ctr">
+            <a:lvl9pPr marL="3264042" indent="0" algn="ctr">
               <a:buNone/>
-              <a:defRPr sz="1600"/>
+              <a:defRPr sz="1428"/>
             </a:lvl9pPr>
           </a:lstStyle>
           <a:p>
             <a:r>
-              <a:rPr kumimoji="1" lang="ja-JP" altLang="en-US" smtClean="0"/>
+              <a:rPr lang="ja-JP" altLang="en-US" smtClean="0"/>
               <a:t>マスター サブタイトルの書式設定</a:t>
             </a:r>
-            <a:endParaRPr kumimoji="1" lang="ja-JP" altLang="en-US"/>
+            <a:endParaRPr lang="en-US" dirty="0"/>
           </a:p>
         </p:txBody>
       </p:sp>
       <p:sp>
         <p:nvSpPr>
-          <p:cNvPr id="4" name="日付プレースホルダー 3"/>
+          <p:cNvPr id="4" name="Date Placeholder 3"/>
           <p:cNvSpPr>
             <a:spLocks noGrp="1"/>
           </p:cNvSpPr>
@@ -243,7 +243,7 @@
           <a:p>
             <a:fld id="{E110B463-9257-4FB4-9566-5ADE85D69469}" type="datetimeFigureOut">
               <a:rPr kumimoji="1" lang="ja-JP" altLang="en-US" smtClean="0"/>
-              <a:t>2019/2/5</a:t>
+              <a:t>2019/2/6</a:t>
             </a:fld>
             <a:endParaRPr kumimoji="1" lang="ja-JP" altLang="en-US"/>
           </a:p>
@@ -251,7 +251,7 @@
       </p:sp>
       <p:sp>
         <p:nvSpPr>
-          <p:cNvPr id="5" name="フッター プレースホルダー 4"/>
+          <p:cNvPr id="5" name="Footer Placeholder 4"/>
           <p:cNvSpPr>
             <a:spLocks noGrp="1"/>
           </p:cNvSpPr>
@@ -270,7 +270,7 @@
       </p:sp>
       <p:sp>
         <p:nvSpPr>
-          <p:cNvPr id="6" name="スライド番号プレースホルダー 5"/>
+          <p:cNvPr id="6" name="Slide Number Placeholder 5"/>
           <p:cNvSpPr>
             <a:spLocks noGrp="1"/>
           </p:cNvSpPr>
@@ -294,7 +294,7 @@
     </p:spTree>
     <p:extLst>
       <p:ext uri="{BB962C8B-B14F-4D97-AF65-F5344CB8AC3E}">
-        <p14:creationId xmlns:p14="http://schemas.microsoft.com/office/powerpoint/2010/main" val="2658768536"/>
+        <p14:creationId xmlns:p14="http://schemas.microsoft.com/office/powerpoint/2010/main" val="2704850792"/>
       </p:ext>
     </p:extLst>
   </p:cSld>
@@ -323,7 +323,7 @@
       </p:grpSpPr>
       <p:sp>
         <p:nvSpPr>
-          <p:cNvPr id="2" name="タイトル 1"/>
+          <p:cNvPr id="2" name="Title 1"/>
           <p:cNvSpPr>
             <a:spLocks noGrp="1"/>
           </p:cNvSpPr>
@@ -337,16 +337,16 @@
           <a:lstStyle/>
           <a:p>
             <a:r>
-              <a:rPr kumimoji="1" lang="ja-JP" altLang="en-US" smtClean="0"/>
+              <a:rPr lang="ja-JP" altLang="en-US" smtClean="0"/>
               <a:t>マスター タイトルの書式設定</a:t>
             </a:r>
-            <a:endParaRPr kumimoji="1" lang="ja-JP" altLang="en-US"/>
+            <a:endParaRPr lang="en-US" dirty="0"/>
           </a:p>
         </p:txBody>
       </p:sp>
       <p:sp>
         <p:nvSpPr>
-          <p:cNvPr id="3" name="縦書きテキスト プレースホルダー 2"/>
+          <p:cNvPr id="3" name="Vertical Text Placeholder 2"/>
           <p:cNvSpPr>
             <a:spLocks noGrp="1"/>
           </p:cNvSpPr>
@@ -361,76 +361,76 @@
           <a:p>
             <a:pPr lvl="0"/>
             <a:r>
-              <a:rPr kumimoji="1" lang="ja-JP" altLang="en-US" smtClean="0"/>
+              <a:rPr lang="ja-JP" altLang="en-US" smtClean="0"/>
               <a:t>マスター テキストの書式設定</a:t>
             </a:r>
           </a:p>
           <a:p>
             <a:pPr lvl="1"/>
             <a:r>
-              <a:rPr kumimoji="1" lang="ja-JP" altLang="en-US" smtClean="0"/>
+              <a:rPr lang="ja-JP" altLang="en-US" smtClean="0"/>
               <a:t>第 </a:t>
             </a:r>
             <a:r>
-              <a:rPr kumimoji="1" lang="en-US" altLang="ja-JP" smtClean="0"/>
+              <a:rPr lang="en-US" altLang="ja-JP" smtClean="0"/>
               <a:t>2 </a:t>
             </a:r>
             <a:r>
-              <a:rPr kumimoji="1" lang="ja-JP" altLang="en-US" smtClean="0"/>
+              <a:rPr lang="ja-JP" altLang="en-US" smtClean="0"/>
               <a:t>レベル</a:t>
             </a:r>
           </a:p>
           <a:p>
             <a:pPr lvl="2"/>
             <a:r>
-              <a:rPr kumimoji="1" lang="ja-JP" altLang="en-US" smtClean="0"/>
+              <a:rPr lang="ja-JP" altLang="en-US" smtClean="0"/>
               <a:t>第 </a:t>
             </a:r>
             <a:r>
-              <a:rPr kumimoji="1" lang="en-US" altLang="ja-JP" smtClean="0"/>
+              <a:rPr lang="en-US" altLang="ja-JP" smtClean="0"/>
               <a:t>3 </a:t>
             </a:r>
             <a:r>
-              <a:rPr kumimoji="1" lang="ja-JP" altLang="en-US" smtClean="0"/>
+              <a:rPr lang="ja-JP" altLang="en-US" smtClean="0"/>
               <a:t>レベル</a:t>
             </a:r>
           </a:p>
           <a:p>
             <a:pPr lvl="3"/>
             <a:r>
-              <a:rPr kumimoji="1" lang="ja-JP" altLang="en-US" smtClean="0"/>
+              <a:rPr lang="ja-JP" altLang="en-US" smtClean="0"/>
               <a:t>第 </a:t>
             </a:r>
             <a:r>
-              <a:rPr kumimoji="1" lang="en-US" altLang="ja-JP" smtClean="0"/>
+              <a:rPr lang="en-US" altLang="ja-JP" smtClean="0"/>
               <a:t>4 </a:t>
             </a:r>
             <a:r>
-              <a:rPr kumimoji="1" lang="ja-JP" altLang="en-US" smtClean="0"/>
+              <a:rPr lang="ja-JP" altLang="en-US" smtClean="0"/>
               <a:t>レベル</a:t>
             </a:r>
           </a:p>
           <a:p>
             <a:pPr lvl="4"/>
             <a:r>
-              <a:rPr kumimoji="1" lang="ja-JP" altLang="en-US" smtClean="0"/>
+              <a:rPr lang="ja-JP" altLang="en-US" smtClean="0"/>
               <a:t>第 </a:t>
             </a:r>
             <a:r>
-              <a:rPr kumimoji="1" lang="en-US" altLang="ja-JP" smtClean="0"/>
+              <a:rPr lang="en-US" altLang="ja-JP" smtClean="0"/>
               <a:t>5 </a:t>
             </a:r>
             <a:r>
-              <a:rPr kumimoji="1" lang="ja-JP" altLang="en-US" smtClean="0"/>
+              <a:rPr lang="ja-JP" altLang="en-US" smtClean="0"/>
               <a:t>レベル</a:t>
             </a:r>
-            <a:endParaRPr kumimoji="1" lang="ja-JP" altLang="en-US"/>
+            <a:endParaRPr lang="en-US" dirty="0"/>
           </a:p>
         </p:txBody>
       </p:sp>
       <p:sp>
         <p:nvSpPr>
-          <p:cNvPr id="4" name="日付プレースホルダー 3"/>
+          <p:cNvPr id="4" name="Date Placeholder 3"/>
           <p:cNvSpPr>
             <a:spLocks noGrp="1"/>
           </p:cNvSpPr>
@@ -445,7 +445,7 @@
           <a:p>
             <a:fld id="{E110B463-9257-4FB4-9566-5ADE85D69469}" type="datetimeFigureOut">
               <a:rPr kumimoji="1" lang="ja-JP" altLang="en-US" smtClean="0"/>
-              <a:t>2019/2/5</a:t>
+              <a:t>2019/2/6</a:t>
             </a:fld>
             <a:endParaRPr kumimoji="1" lang="ja-JP" altLang="en-US"/>
           </a:p>
@@ -453,7 +453,7 @@
       </p:sp>
       <p:sp>
         <p:nvSpPr>
-          <p:cNvPr id="5" name="フッター プレースホルダー 4"/>
+          <p:cNvPr id="5" name="Footer Placeholder 4"/>
           <p:cNvSpPr>
             <a:spLocks noGrp="1"/>
           </p:cNvSpPr>
@@ -472,7 +472,7 @@
       </p:sp>
       <p:sp>
         <p:nvSpPr>
-          <p:cNvPr id="6" name="スライド番号プレースホルダー 5"/>
+          <p:cNvPr id="6" name="Slide Number Placeholder 5"/>
           <p:cNvSpPr>
             <a:spLocks noGrp="1"/>
           </p:cNvSpPr>
@@ -496,7 +496,7 @@
     </p:spTree>
     <p:extLst>
       <p:ext uri="{BB962C8B-B14F-4D97-AF65-F5344CB8AC3E}">
-        <p14:creationId xmlns:p14="http://schemas.microsoft.com/office/powerpoint/2010/main" val="4134099369"/>
+        <p14:creationId xmlns:p14="http://schemas.microsoft.com/office/powerpoint/2010/main" val="1307862628"/>
       </p:ext>
     </p:extLst>
   </p:cSld>
@@ -525,7 +525,7 @@
       </p:grpSpPr>
       <p:sp>
         <p:nvSpPr>
-          <p:cNvPr id="2" name="縦書きタイトル 1"/>
+          <p:cNvPr id="2" name="Vertical Title 1"/>
           <p:cNvSpPr>
             <a:spLocks noGrp="1"/>
           </p:cNvSpPr>
@@ -535,8 +535,8 @@
         </p:nvSpPr>
         <p:spPr>
           <a:xfrm>
-            <a:off x="8724900" y="365125"/>
-            <a:ext cx="2628900" cy="5811838"/>
+            <a:off x="8724900" y="325823"/>
+            <a:ext cx="2628900" cy="5186259"/>
           </a:xfrm>
         </p:spPr>
         <p:txBody>
@@ -544,16 +544,16 @@
           <a:lstStyle/>
           <a:p>
             <a:r>
-              <a:rPr kumimoji="1" lang="ja-JP" altLang="en-US" smtClean="0"/>
+              <a:rPr lang="ja-JP" altLang="en-US" smtClean="0"/>
               <a:t>マスター タイトルの書式設定</a:t>
             </a:r>
-            <a:endParaRPr kumimoji="1" lang="ja-JP" altLang="en-US"/>
+            <a:endParaRPr lang="en-US" dirty="0"/>
           </a:p>
         </p:txBody>
       </p:sp>
       <p:sp>
         <p:nvSpPr>
-          <p:cNvPr id="3" name="縦書きテキスト プレースホルダー 2"/>
+          <p:cNvPr id="3" name="Vertical Text Placeholder 2"/>
           <p:cNvSpPr>
             <a:spLocks noGrp="1"/>
           </p:cNvSpPr>
@@ -563,8 +563,8 @@
         </p:nvSpPr>
         <p:spPr>
           <a:xfrm>
-            <a:off x="838200" y="365125"/>
-            <a:ext cx="7734300" cy="5811838"/>
+            <a:off x="838200" y="325823"/>
+            <a:ext cx="7734300" cy="5186259"/>
           </a:xfrm>
         </p:spPr>
         <p:txBody>
@@ -573,76 +573,76 @@
           <a:p>
             <a:pPr lvl="0"/>
             <a:r>
-              <a:rPr kumimoji="1" lang="ja-JP" altLang="en-US" smtClean="0"/>
+              <a:rPr lang="ja-JP" altLang="en-US" smtClean="0"/>
               <a:t>マスター テキストの書式設定</a:t>
             </a:r>
           </a:p>
           <a:p>
             <a:pPr lvl="1"/>
             <a:r>
-              <a:rPr kumimoji="1" lang="ja-JP" altLang="en-US" smtClean="0"/>
+              <a:rPr lang="ja-JP" altLang="en-US" smtClean="0"/>
               <a:t>第 </a:t>
             </a:r>
             <a:r>
-              <a:rPr kumimoji="1" lang="en-US" altLang="ja-JP" smtClean="0"/>
+              <a:rPr lang="en-US" altLang="ja-JP" smtClean="0"/>
               <a:t>2 </a:t>
             </a:r>
             <a:r>
-              <a:rPr kumimoji="1" lang="ja-JP" altLang="en-US" smtClean="0"/>
+              <a:rPr lang="ja-JP" altLang="en-US" smtClean="0"/>
               <a:t>レベル</a:t>
             </a:r>
           </a:p>
           <a:p>
             <a:pPr lvl="2"/>
             <a:r>
-              <a:rPr kumimoji="1" lang="ja-JP" altLang="en-US" smtClean="0"/>
+              <a:rPr lang="ja-JP" altLang="en-US" smtClean="0"/>
               <a:t>第 </a:t>
             </a:r>
             <a:r>
-              <a:rPr kumimoji="1" lang="en-US" altLang="ja-JP" smtClean="0"/>
+              <a:rPr lang="en-US" altLang="ja-JP" smtClean="0"/>
               <a:t>3 </a:t>
             </a:r>
             <a:r>
-              <a:rPr kumimoji="1" lang="ja-JP" altLang="en-US" smtClean="0"/>
+              <a:rPr lang="ja-JP" altLang="en-US" smtClean="0"/>
               <a:t>レベル</a:t>
             </a:r>
           </a:p>
           <a:p>
             <a:pPr lvl="3"/>
             <a:r>
-              <a:rPr kumimoji="1" lang="ja-JP" altLang="en-US" smtClean="0"/>
+              <a:rPr lang="ja-JP" altLang="en-US" smtClean="0"/>
               <a:t>第 </a:t>
             </a:r>
             <a:r>
-              <a:rPr kumimoji="1" lang="en-US" altLang="ja-JP" smtClean="0"/>
+              <a:rPr lang="en-US" altLang="ja-JP" smtClean="0"/>
               <a:t>4 </a:t>
             </a:r>
             <a:r>
-              <a:rPr kumimoji="1" lang="ja-JP" altLang="en-US" smtClean="0"/>
+              <a:rPr lang="ja-JP" altLang="en-US" smtClean="0"/>
               <a:t>レベル</a:t>
             </a:r>
           </a:p>
           <a:p>
             <a:pPr lvl="4"/>
             <a:r>
-              <a:rPr kumimoji="1" lang="ja-JP" altLang="en-US" smtClean="0"/>
+              <a:rPr lang="ja-JP" altLang="en-US" smtClean="0"/>
               <a:t>第 </a:t>
             </a:r>
             <a:r>
-              <a:rPr kumimoji="1" lang="en-US" altLang="ja-JP" smtClean="0"/>
+              <a:rPr lang="en-US" altLang="ja-JP" smtClean="0"/>
               <a:t>5 </a:t>
             </a:r>
             <a:r>
-              <a:rPr kumimoji="1" lang="ja-JP" altLang="en-US" smtClean="0"/>
+              <a:rPr lang="ja-JP" altLang="en-US" smtClean="0"/>
               <a:t>レベル</a:t>
             </a:r>
-            <a:endParaRPr kumimoji="1" lang="ja-JP" altLang="en-US"/>
+            <a:endParaRPr lang="en-US" dirty="0"/>
           </a:p>
         </p:txBody>
       </p:sp>
       <p:sp>
         <p:nvSpPr>
-          <p:cNvPr id="4" name="日付プレースホルダー 3"/>
+          <p:cNvPr id="4" name="Date Placeholder 3"/>
           <p:cNvSpPr>
             <a:spLocks noGrp="1"/>
           </p:cNvSpPr>
@@ -657,7 +657,7 @@
           <a:p>
             <a:fld id="{E110B463-9257-4FB4-9566-5ADE85D69469}" type="datetimeFigureOut">
               <a:rPr kumimoji="1" lang="ja-JP" altLang="en-US" smtClean="0"/>
-              <a:t>2019/2/5</a:t>
+              <a:t>2019/2/6</a:t>
             </a:fld>
             <a:endParaRPr kumimoji="1" lang="ja-JP" altLang="en-US"/>
           </a:p>
@@ -665,7 +665,7 @@
       </p:sp>
       <p:sp>
         <p:nvSpPr>
-          <p:cNvPr id="5" name="フッター プレースホルダー 4"/>
+          <p:cNvPr id="5" name="Footer Placeholder 4"/>
           <p:cNvSpPr>
             <a:spLocks noGrp="1"/>
           </p:cNvSpPr>
@@ -684,7 +684,7 @@
       </p:sp>
       <p:sp>
         <p:nvSpPr>
-          <p:cNvPr id="6" name="スライド番号プレースホルダー 5"/>
+          <p:cNvPr id="6" name="Slide Number Placeholder 5"/>
           <p:cNvSpPr>
             <a:spLocks noGrp="1"/>
           </p:cNvSpPr>
@@ -708,7 +708,7 @@
     </p:spTree>
     <p:extLst>
       <p:ext uri="{BB962C8B-B14F-4D97-AF65-F5344CB8AC3E}">
-        <p14:creationId xmlns:p14="http://schemas.microsoft.com/office/powerpoint/2010/main" val="3581426724"/>
+        <p14:creationId xmlns:p14="http://schemas.microsoft.com/office/powerpoint/2010/main" val="4161684559"/>
       </p:ext>
     </p:extLst>
   </p:cSld>
@@ -737,7 +737,7 @@
       </p:grpSpPr>
       <p:sp>
         <p:nvSpPr>
-          <p:cNvPr id="2" name="タイトル 1"/>
+          <p:cNvPr id="2" name="Title 1"/>
           <p:cNvSpPr>
             <a:spLocks noGrp="1"/>
           </p:cNvSpPr>
@@ -751,16 +751,16 @@
           <a:lstStyle/>
           <a:p>
             <a:r>
-              <a:rPr kumimoji="1" lang="ja-JP" altLang="en-US" smtClean="0"/>
+              <a:rPr lang="ja-JP" altLang="en-US" smtClean="0"/>
               <a:t>マスター タイトルの書式設定</a:t>
             </a:r>
-            <a:endParaRPr kumimoji="1" lang="ja-JP" altLang="en-US"/>
+            <a:endParaRPr lang="en-US" dirty="0"/>
           </a:p>
         </p:txBody>
       </p:sp>
       <p:sp>
         <p:nvSpPr>
-          <p:cNvPr id="3" name="コンテンツ プレースホルダー 2"/>
+          <p:cNvPr id="3" name="Content Placeholder 2"/>
           <p:cNvSpPr>
             <a:spLocks noGrp="1"/>
           </p:cNvSpPr>
@@ -775,76 +775,76 @@
           <a:p>
             <a:pPr lvl="0"/>
             <a:r>
-              <a:rPr kumimoji="1" lang="ja-JP" altLang="en-US" smtClean="0"/>
+              <a:rPr lang="ja-JP" altLang="en-US" smtClean="0"/>
               <a:t>マスター テキストの書式設定</a:t>
             </a:r>
           </a:p>
           <a:p>
             <a:pPr lvl="1"/>
             <a:r>
-              <a:rPr kumimoji="1" lang="ja-JP" altLang="en-US" smtClean="0"/>
+              <a:rPr lang="ja-JP" altLang="en-US" smtClean="0"/>
               <a:t>第 </a:t>
             </a:r>
             <a:r>
-              <a:rPr kumimoji="1" lang="en-US" altLang="ja-JP" smtClean="0"/>
+              <a:rPr lang="en-US" altLang="ja-JP" smtClean="0"/>
               <a:t>2 </a:t>
             </a:r>
             <a:r>
-              <a:rPr kumimoji="1" lang="ja-JP" altLang="en-US" smtClean="0"/>
+              <a:rPr lang="ja-JP" altLang="en-US" smtClean="0"/>
               <a:t>レベル</a:t>
             </a:r>
           </a:p>
           <a:p>
             <a:pPr lvl="2"/>
             <a:r>
-              <a:rPr kumimoji="1" lang="ja-JP" altLang="en-US" smtClean="0"/>
+              <a:rPr lang="ja-JP" altLang="en-US" smtClean="0"/>
               <a:t>第 </a:t>
             </a:r>
             <a:r>
-              <a:rPr kumimoji="1" lang="en-US" altLang="ja-JP" smtClean="0"/>
+              <a:rPr lang="en-US" altLang="ja-JP" smtClean="0"/>
               <a:t>3 </a:t>
             </a:r>
             <a:r>
-              <a:rPr kumimoji="1" lang="ja-JP" altLang="en-US" smtClean="0"/>
+              <a:rPr lang="ja-JP" altLang="en-US" smtClean="0"/>
               <a:t>レベル</a:t>
             </a:r>
           </a:p>
           <a:p>
             <a:pPr lvl="3"/>
             <a:r>
-              <a:rPr kumimoji="1" lang="ja-JP" altLang="en-US" smtClean="0"/>
+              <a:rPr lang="ja-JP" altLang="en-US" smtClean="0"/>
               <a:t>第 </a:t>
             </a:r>
             <a:r>
-              <a:rPr kumimoji="1" lang="en-US" altLang="ja-JP" smtClean="0"/>
+              <a:rPr lang="en-US" altLang="ja-JP" smtClean="0"/>
               <a:t>4 </a:t>
             </a:r>
             <a:r>
-              <a:rPr kumimoji="1" lang="ja-JP" altLang="en-US" smtClean="0"/>
+              <a:rPr lang="ja-JP" altLang="en-US" smtClean="0"/>
               <a:t>レベル</a:t>
             </a:r>
           </a:p>
           <a:p>
             <a:pPr lvl="4"/>
             <a:r>
-              <a:rPr kumimoji="1" lang="ja-JP" altLang="en-US" smtClean="0"/>
+              <a:rPr lang="ja-JP" altLang="en-US" smtClean="0"/>
               <a:t>第 </a:t>
             </a:r>
             <a:r>
-              <a:rPr kumimoji="1" lang="en-US" altLang="ja-JP" smtClean="0"/>
+              <a:rPr lang="en-US" altLang="ja-JP" smtClean="0"/>
               <a:t>5 </a:t>
             </a:r>
             <a:r>
-              <a:rPr kumimoji="1" lang="ja-JP" altLang="en-US" smtClean="0"/>
+              <a:rPr lang="ja-JP" altLang="en-US" smtClean="0"/>
               <a:t>レベル</a:t>
             </a:r>
-            <a:endParaRPr kumimoji="1" lang="ja-JP" altLang="en-US"/>
+            <a:endParaRPr lang="en-US" dirty="0"/>
           </a:p>
         </p:txBody>
       </p:sp>
       <p:sp>
         <p:nvSpPr>
-          <p:cNvPr id="4" name="日付プレースホルダー 3"/>
+          <p:cNvPr id="4" name="Date Placeholder 3"/>
           <p:cNvSpPr>
             <a:spLocks noGrp="1"/>
           </p:cNvSpPr>
@@ -859,7 +859,7 @@
           <a:p>
             <a:fld id="{E110B463-9257-4FB4-9566-5ADE85D69469}" type="datetimeFigureOut">
               <a:rPr kumimoji="1" lang="ja-JP" altLang="en-US" smtClean="0"/>
-              <a:t>2019/2/5</a:t>
+              <a:t>2019/2/6</a:t>
             </a:fld>
             <a:endParaRPr kumimoji="1" lang="ja-JP" altLang="en-US"/>
           </a:p>
@@ -867,7 +867,7 @@
       </p:sp>
       <p:sp>
         <p:nvSpPr>
-          <p:cNvPr id="5" name="フッター プレースホルダー 4"/>
+          <p:cNvPr id="5" name="Footer Placeholder 4"/>
           <p:cNvSpPr>
             <a:spLocks noGrp="1"/>
           </p:cNvSpPr>
@@ -886,7 +886,7 @@
       </p:sp>
       <p:sp>
         <p:nvSpPr>
-          <p:cNvPr id="6" name="スライド番号プレースホルダー 5"/>
+          <p:cNvPr id="6" name="Slide Number Placeholder 5"/>
           <p:cNvSpPr>
             <a:spLocks noGrp="1"/>
           </p:cNvSpPr>
@@ -910,7 +910,7 @@
     </p:spTree>
     <p:extLst>
       <p:ext uri="{BB962C8B-B14F-4D97-AF65-F5344CB8AC3E}">
-        <p14:creationId xmlns:p14="http://schemas.microsoft.com/office/powerpoint/2010/main" val="1763638046"/>
+        <p14:creationId xmlns:p14="http://schemas.microsoft.com/office/powerpoint/2010/main" val="4258173660"/>
       </p:ext>
     </p:extLst>
   </p:cSld>
@@ -939,7 +939,7 @@
       </p:grpSpPr>
       <p:sp>
         <p:nvSpPr>
-          <p:cNvPr id="2" name="タイトル 1"/>
+          <p:cNvPr id="2" name="Title 1"/>
           <p:cNvSpPr>
             <a:spLocks noGrp="1"/>
           </p:cNvSpPr>
@@ -949,29 +949,29 @@
         </p:nvSpPr>
         <p:spPr>
           <a:xfrm>
-            <a:off x="831850" y="1709738"/>
-            <a:ext cx="10515600" cy="2852737"/>
+            <a:off x="831850" y="1525704"/>
+            <a:ext cx="10515600" cy="2545672"/>
           </a:xfrm>
         </p:spPr>
         <p:txBody>
           <a:bodyPr anchor="b"/>
           <a:lstStyle>
             <a:lvl1pPr>
-              <a:defRPr sz="6000"/>
+              <a:defRPr sz="5354"/>
             </a:lvl1pPr>
           </a:lstStyle>
           <a:p>
             <a:r>
-              <a:rPr kumimoji="1" lang="ja-JP" altLang="en-US" smtClean="0"/>
+              <a:rPr lang="ja-JP" altLang="en-US" smtClean="0"/>
               <a:t>マスター タイトルの書式設定</a:t>
             </a:r>
-            <a:endParaRPr kumimoji="1" lang="ja-JP" altLang="en-US"/>
+            <a:endParaRPr lang="en-US" dirty="0"/>
           </a:p>
         </p:txBody>
       </p:sp>
       <p:sp>
         <p:nvSpPr>
-          <p:cNvPr id="3" name="テキスト プレースホルダー 2"/>
+          <p:cNvPr id="3" name="Text Placeholder 2"/>
           <p:cNvSpPr>
             <a:spLocks noGrp="1"/>
           </p:cNvSpPr>
@@ -981,8 +981,8 @@
         </p:nvSpPr>
         <p:spPr>
           <a:xfrm>
-            <a:off x="831850" y="4589463"/>
-            <a:ext cx="10515600" cy="1500187"/>
+            <a:off x="831850" y="4095459"/>
+            <a:ext cx="10515600" cy="1338709"/>
           </a:xfrm>
         </p:spPr>
         <p:txBody>
@@ -990,7 +990,7 @@
           <a:lstStyle>
             <a:lvl1pPr marL="0" indent="0">
               <a:buNone/>
-              <a:defRPr sz="2400">
+              <a:defRPr sz="2142">
                 <a:solidFill>
                   <a:schemeClr val="tx1">
                     <a:tint val="75000"/>
@@ -998,9 +998,9 @@
                 </a:solidFill>
               </a:defRPr>
             </a:lvl1pPr>
-            <a:lvl2pPr marL="457200" indent="0">
+            <a:lvl2pPr marL="408005" indent="0">
               <a:buNone/>
-              <a:defRPr sz="2000">
+              <a:defRPr sz="1785">
                 <a:solidFill>
                   <a:schemeClr val="tx1">
                     <a:tint val="75000"/>
@@ -1008,9 +1008,9 @@
                 </a:solidFill>
               </a:defRPr>
             </a:lvl2pPr>
-            <a:lvl3pPr marL="914400" indent="0">
+            <a:lvl3pPr marL="816011" indent="0">
               <a:buNone/>
-              <a:defRPr sz="1800">
+              <a:defRPr sz="1606">
                 <a:solidFill>
                   <a:schemeClr val="tx1">
                     <a:tint val="75000"/>
@@ -1018,9 +1018,9 @@
                 </a:solidFill>
               </a:defRPr>
             </a:lvl3pPr>
-            <a:lvl4pPr marL="1371600" indent="0">
+            <a:lvl4pPr marL="1224016" indent="0">
               <a:buNone/>
-              <a:defRPr sz="1600">
+              <a:defRPr sz="1428">
                 <a:solidFill>
                   <a:schemeClr val="tx1">
                     <a:tint val="75000"/>
@@ -1028,9 +1028,9 @@
                 </a:solidFill>
               </a:defRPr>
             </a:lvl4pPr>
-            <a:lvl5pPr marL="1828800" indent="0">
+            <a:lvl5pPr marL="1632021" indent="0">
               <a:buNone/>
-              <a:defRPr sz="1600">
+              <a:defRPr sz="1428">
                 <a:solidFill>
                   <a:schemeClr val="tx1">
                     <a:tint val="75000"/>
@@ -1038,9 +1038,9 @@
                 </a:solidFill>
               </a:defRPr>
             </a:lvl5pPr>
-            <a:lvl6pPr marL="2286000" indent="0">
+            <a:lvl6pPr marL="2040026" indent="0">
               <a:buNone/>
-              <a:defRPr sz="1600">
+              <a:defRPr sz="1428">
                 <a:solidFill>
                   <a:schemeClr val="tx1">
                     <a:tint val="75000"/>
@@ -1048,9 +1048,9 @@
                 </a:solidFill>
               </a:defRPr>
             </a:lvl6pPr>
-            <a:lvl7pPr marL="2743200" indent="0">
+            <a:lvl7pPr marL="2448032" indent="0">
               <a:buNone/>
-              <a:defRPr sz="1600">
+              <a:defRPr sz="1428">
                 <a:solidFill>
                   <a:schemeClr val="tx1">
                     <a:tint val="75000"/>
@@ -1058,9 +1058,9 @@
                 </a:solidFill>
               </a:defRPr>
             </a:lvl7pPr>
-            <a:lvl8pPr marL="3200400" indent="0">
+            <a:lvl8pPr marL="2856037" indent="0">
               <a:buNone/>
-              <a:defRPr sz="1600">
+              <a:defRPr sz="1428">
                 <a:solidFill>
                   <a:schemeClr val="tx1">
                     <a:tint val="75000"/>
@@ -1068,9 +1068,9 @@
                 </a:solidFill>
               </a:defRPr>
             </a:lvl8pPr>
-            <a:lvl9pPr marL="3657600" indent="0">
+            <a:lvl9pPr marL="3264042" indent="0">
               <a:buNone/>
-              <a:defRPr sz="1600">
+              <a:defRPr sz="1428">
                 <a:solidFill>
                   <a:schemeClr val="tx1">
                     <a:tint val="75000"/>
@@ -1082,7 +1082,7 @@
           <a:p>
             <a:pPr lvl="0"/>
             <a:r>
-              <a:rPr kumimoji="1" lang="ja-JP" altLang="en-US" smtClean="0"/>
+              <a:rPr lang="ja-JP" altLang="en-US" smtClean="0"/>
               <a:t>マスター テキストの書式設定</a:t>
             </a:r>
           </a:p>
@@ -1090,7 +1090,7 @@
       </p:sp>
       <p:sp>
         <p:nvSpPr>
-          <p:cNvPr id="4" name="日付プレースホルダー 3"/>
+          <p:cNvPr id="4" name="Date Placeholder 3"/>
           <p:cNvSpPr>
             <a:spLocks noGrp="1"/>
           </p:cNvSpPr>
@@ -1105,7 +1105,7 @@
           <a:p>
             <a:fld id="{E110B463-9257-4FB4-9566-5ADE85D69469}" type="datetimeFigureOut">
               <a:rPr kumimoji="1" lang="ja-JP" altLang="en-US" smtClean="0"/>
-              <a:t>2019/2/5</a:t>
+              <a:t>2019/2/6</a:t>
             </a:fld>
             <a:endParaRPr kumimoji="1" lang="ja-JP" altLang="en-US"/>
           </a:p>
@@ -1113,7 +1113,7 @@
       </p:sp>
       <p:sp>
         <p:nvSpPr>
-          <p:cNvPr id="5" name="フッター プレースホルダー 4"/>
+          <p:cNvPr id="5" name="Footer Placeholder 4"/>
           <p:cNvSpPr>
             <a:spLocks noGrp="1"/>
           </p:cNvSpPr>
@@ -1132,7 +1132,7 @@
       </p:sp>
       <p:sp>
         <p:nvSpPr>
-          <p:cNvPr id="6" name="スライド番号プレースホルダー 5"/>
+          <p:cNvPr id="6" name="Slide Number Placeholder 5"/>
           <p:cNvSpPr>
             <a:spLocks noGrp="1"/>
           </p:cNvSpPr>
@@ -1156,7 +1156,7 @@
     </p:spTree>
     <p:extLst>
       <p:ext uri="{BB962C8B-B14F-4D97-AF65-F5344CB8AC3E}">
-        <p14:creationId xmlns:p14="http://schemas.microsoft.com/office/powerpoint/2010/main" val="3493026848"/>
+        <p14:creationId xmlns:p14="http://schemas.microsoft.com/office/powerpoint/2010/main" val="674826836"/>
       </p:ext>
     </p:extLst>
   </p:cSld>
@@ -1185,7 +1185,7 @@
       </p:grpSpPr>
       <p:sp>
         <p:nvSpPr>
-          <p:cNvPr id="2" name="タイトル 1"/>
+          <p:cNvPr id="2" name="Title 1"/>
           <p:cNvSpPr>
             <a:spLocks noGrp="1"/>
           </p:cNvSpPr>
@@ -1199,16 +1199,16 @@
           <a:lstStyle/>
           <a:p>
             <a:r>
-              <a:rPr kumimoji="1" lang="ja-JP" altLang="en-US" smtClean="0"/>
+              <a:rPr lang="ja-JP" altLang="en-US" smtClean="0"/>
               <a:t>マスター タイトルの書式設定</a:t>
             </a:r>
-            <a:endParaRPr kumimoji="1" lang="ja-JP" altLang="en-US"/>
+            <a:endParaRPr lang="en-US" dirty="0"/>
           </a:p>
         </p:txBody>
       </p:sp>
       <p:sp>
         <p:nvSpPr>
-          <p:cNvPr id="3" name="コンテンツ プレースホルダー 2"/>
+          <p:cNvPr id="3" name="Content Placeholder 2"/>
           <p:cNvSpPr>
             <a:spLocks noGrp="1"/>
           </p:cNvSpPr>
@@ -1218,8 +1218,8 @@
         </p:nvSpPr>
         <p:spPr>
           <a:xfrm>
-            <a:off x="838200" y="1825625"/>
-            <a:ext cx="5181600" cy="4351338"/>
+            <a:off x="838200" y="1629117"/>
+            <a:ext cx="5181600" cy="3882965"/>
           </a:xfrm>
         </p:spPr>
         <p:txBody>
@@ -1228,76 +1228,76 @@
           <a:p>
             <a:pPr lvl="0"/>
             <a:r>
-              <a:rPr kumimoji="1" lang="ja-JP" altLang="en-US" smtClean="0"/>
+              <a:rPr lang="ja-JP" altLang="en-US" smtClean="0"/>
               <a:t>マスター テキストの書式設定</a:t>
             </a:r>
           </a:p>
           <a:p>
             <a:pPr lvl="1"/>
             <a:r>
-              <a:rPr kumimoji="1" lang="ja-JP" altLang="en-US" smtClean="0"/>
+              <a:rPr lang="ja-JP" altLang="en-US" smtClean="0"/>
               <a:t>第 </a:t>
             </a:r>
             <a:r>
-              <a:rPr kumimoji="1" lang="en-US" altLang="ja-JP" smtClean="0"/>
+              <a:rPr lang="en-US" altLang="ja-JP" smtClean="0"/>
               <a:t>2 </a:t>
             </a:r>
             <a:r>
-              <a:rPr kumimoji="1" lang="ja-JP" altLang="en-US" smtClean="0"/>
+              <a:rPr lang="ja-JP" altLang="en-US" smtClean="0"/>
               <a:t>レベル</a:t>
             </a:r>
           </a:p>
           <a:p>
             <a:pPr lvl="2"/>
             <a:r>
-              <a:rPr kumimoji="1" lang="ja-JP" altLang="en-US" smtClean="0"/>
+              <a:rPr lang="ja-JP" altLang="en-US" smtClean="0"/>
               <a:t>第 </a:t>
             </a:r>
             <a:r>
-              <a:rPr kumimoji="1" lang="en-US" altLang="ja-JP" smtClean="0"/>
+              <a:rPr lang="en-US" altLang="ja-JP" smtClean="0"/>
               <a:t>3 </a:t>
             </a:r>
             <a:r>
-              <a:rPr kumimoji="1" lang="ja-JP" altLang="en-US" smtClean="0"/>
+              <a:rPr lang="ja-JP" altLang="en-US" smtClean="0"/>
               <a:t>レベル</a:t>
             </a:r>
           </a:p>
           <a:p>
             <a:pPr lvl="3"/>
             <a:r>
-              <a:rPr kumimoji="1" lang="ja-JP" altLang="en-US" smtClean="0"/>
+              <a:rPr lang="ja-JP" altLang="en-US" smtClean="0"/>
               <a:t>第 </a:t>
             </a:r>
             <a:r>
-              <a:rPr kumimoji="1" lang="en-US" altLang="ja-JP" smtClean="0"/>
+              <a:rPr lang="en-US" altLang="ja-JP" smtClean="0"/>
               <a:t>4 </a:t>
             </a:r>
             <a:r>
-              <a:rPr kumimoji="1" lang="ja-JP" altLang="en-US" smtClean="0"/>
+              <a:rPr lang="ja-JP" altLang="en-US" smtClean="0"/>
               <a:t>レベル</a:t>
             </a:r>
           </a:p>
           <a:p>
             <a:pPr lvl="4"/>
             <a:r>
-              <a:rPr kumimoji="1" lang="ja-JP" altLang="en-US" smtClean="0"/>
+              <a:rPr lang="ja-JP" altLang="en-US" smtClean="0"/>
               <a:t>第 </a:t>
             </a:r>
             <a:r>
-              <a:rPr kumimoji="1" lang="en-US" altLang="ja-JP" smtClean="0"/>
+              <a:rPr lang="en-US" altLang="ja-JP" smtClean="0"/>
               <a:t>5 </a:t>
             </a:r>
             <a:r>
-              <a:rPr kumimoji="1" lang="ja-JP" altLang="en-US" smtClean="0"/>
+              <a:rPr lang="ja-JP" altLang="en-US" smtClean="0"/>
               <a:t>レベル</a:t>
             </a:r>
-            <a:endParaRPr kumimoji="1" lang="ja-JP" altLang="en-US"/>
+            <a:endParaRPr lang="en-US" dirty="0"/>
           </a:p>
         </p:txBody>
       </p:sp>
       <p:sp>
         <p:nvSpPr>
-          <p:cNvPr id="4" name="コンテンツ プレースホルダー 3"/>
+          <p:cNvPr id="4" name="Content Placeholder 3"/>
           <p:cNvSpPr>
             <a:spLocks noGrp="1"/>
           </p:cNvSpPr>
@@ -1307,8 +1307,8 @@
         </p:nvSpPr>
         <p:spPr>
           <a:xfrm>
-            <a:off x="6172200" y="1825625"/>
-            <a:ext cx="5181600" cy="4351338"/>
+            <a:off x="6172200" y="1629117"/>
+            <a:ext cx="5181600" cy="3882965"/>
           </a:xfrm>
         </p:spPr>
         <p:txBody>
@@ -1317,76 +1317,76 @@
           <a:p>
             <a:pPr lvl="0"/>
             <a:r>
-              <a:rPr kumimoji="1" lang="ja-JP" altLang="en-US" smtClean="0"/>
+              <a:rPr lang="ja-JP" altLang="en-US" smtClean="0"/>
               <a:t>マスター テキストの書式設定</a:t>
             </a:r>
           </a:p>
           <a:p>
             <a:pPr lvl="1"/>
             <a:r>
-              <a:rPr kumimoji="1" lang="ja-JP" altLang="en-US" smtClean="0"/>
+              <a:rPr lang="ja-JP" altLang="en-US" smtClean="0"/>
               <a:t>第 </a:t>
             </a:r>
             <a:r>
-              <a:rPr kumimoji="1" lang="en-US" altLang="ja-JP" smtClean="0"/>
+              <a:rPr lang="en-US" altLang="ja-JP" smtClean="0"/>
               <a:t>2 </a:t>
             </a:r>
             <a:r>
-              <a:rPr kumimoji="1" lang="ja-JP" altLang="en-US" smtClean="0"/>
+              <a:rPr lang="ja-JP" altLang="en-US" smtClean="0"/>
               <a:t>レベル</a:t>
             </a:r>
           </a:p>
           <a:p>
             <a:pPr lvl="2"/>
             <a:r>
-              <a:rPr kumimoji="1" lang="ja-JP" altLang="en-US" smtClean="0"/>
+              <a:rPr lang="ja-JP" altLang="en-US" smtClean="0"/>
               <a:t>第 </a:t>
             </a:r>
             <a:r>
-              <a:rPr kumimoji="1" lang="en-US" altLang="ja-JP" smtClean="0"/>
+              <a:rPr lang="en-US" altLang="ja-JP" smtClean="0"/>
               <a:t>3 </a:t>
             </a:r>
             <a:r>
-              <a:rPr kumimoji="1" lang="ja-JP" altLang="en-US" smtClean="0"/>
+              <a:rPr lang="ja-JP" altLang="en-US" smtClean="0"/>
               <a:t>レベル</a:t>
             </a:r>
           </a:p>
           <a:p>
             <a:pPr lvl="3"/>
             <a:r>
-              <a:rPr kumimoji="1" lang="ja-JP" altLang="en-US" smtClean="0"/>
+              <a:rPr lang="ja-JP" altLang="en-US" smtClean="0"/>
               <a:t>第 </a:t>
             </a:r>
             <a:r>
-              <a:rPr kumimoji="1" lang="en-US" altLang="ja-JP" smtClean="0"/>
+              <a:rPr lang="en-US" altLang="ja-JP" smtClean="0"/>
               <a:t>4 </a:t>
             </a:r>
             <a:r>
-              <a:rPr kumimoji="1" lang="ja-JP" altLang="en-US" smtClean="0"/>
+              <a:rPr lang="ja-JP" altLang="en-US" smtClean="0"/>
               <a:t>レベル</a:t>
             </a:r>
           </a:p>
           <a:p>
             <a:pPr lvl="4"/>
             <a:r>
-              <a:rPr kumimoji="1" lang="ja-JP" altLang="en-US" smtClean="0"/>
+              <a:rPr lang="ja-JP" altLang="en-US" smtClean="0"/>
               <a:t>第 </a:t>
             </a:r>
             <a:r>
-              <a:rPr kumimoji="1" lang="en-US" altLang="ja-JP" smtClean="0"/>
+              <a:rPr lang="en-US" altLang="ja-JP" smtClean="0"/>
               <a:t>5 </a:t>
             </a:r>
             <a:r>
-              <a:rPr kumimoji="1" lang="ja-JP" altLang="en-US" smtClean="0"/>
+              <a:rPr lang="ja-JP" altLang="en-US" smtClean="0"/>
               <a:t>レベル</a:t>
             </a:r>
-            <a:endParaRPr kumimoji="1" lang="ja-JP" altLang="en-US"/>
+            <a:endParaRPr lang="en-US" dirty="0"/>
           </a:p>
         </p:txBody>
       </p:sp>
       <p:sp>
         <p:nvSpPr>
-          <p:cNvPr id="5" name="日付プレースホルダー 4"/>
+          <p:cNvPr id="5" name="Date Placeholder 4"/>
           <p:cNvSpPr>
             <a:spLocks noGrp="1"/>
           </p:cNvSpPr>
@@ -1401,7 +1401,7 @@
           <a:p>
             <a:fld id="{E110B463-9257-4FB4-9566-5ADE85D69469}" type="datetimeFigureOut">
               <a:rPr kumimoji="1" lang="ja-JP" altLang="en-US" smtClean="0"/>
-              <a:t>2019/2/5</a:t>
+              <a:t>2019/2/6</a:t>
             </a:fld>
             <a:endParaRPr kumimoji="1" lang="ja-JP" altLang="en-US"/>
           </a:p>
@@ -1409,7 +1409,7 @@
       </p:sp>
       <p:sp>
         <p:nvSpPr>
-          <p:cNvPr id="6" name="フッター プレースホルダー 5"/>
+          <p:cNvPr id="6" name="Footer Placeholder 5"/>
           <p:cNvSpPr>
             <a:spLocks noGrp="1"/>
           </p:cNvSpPr>
@@ -1428,7 +1428,7 @@
       </p:sp>
       <p:sp>
         <p:nvSpPr>
-          <p:cNvPr id="7" name="スライド番号プレースホルダー 6"/>
+          <p:cNvPr id="7" name="Slide Number Placeholder 6"/>
           <p:cNvSpPr>
             <a:spLocks noGrp="1"/>
           </p:cNvSpPr>
@@ -1452,7 +1452,7 @@
     </p:spTree>
     <p:extLst>
       <p:ext uri="{BB962C8B-B14F-4D97-AF65-F5344CB8AC3E}">
-        <p14:creationId xmlns:p14="http://schemas.microsoft.com/office/powerpoint/2010/main" val="3114559594"/>
+        <p14:creationId xmlns:p14="http://schemas.microsoft.com/office/powerpoint/2010/main" val="41148693"/>
       </p:ext>
     </p:extLst>
   </p:cSld>
@@ -1481,7 +1481,7 @@
       </p:grpSpPr>
       <p:sp>
         <p:nvSpPr>
-          <p:cNvPr id="2" name="タイトル 1"/>
+          <p:cNvPr id="2" name="Title 1"/>
           <p:cNvSpPr>
             <a:spLocks noGrp="1"/>
           </p:cNvSpPr>
@@ -1491,8 +1491,8 @@
         </p:nvSpPr>
         <p:spPr>
           <a:xfrm>
-            <a:off x="839788" y="365125"/>
-            <a:ext cx="10515600" cy="1325563"/>
+            <a:off x="839788" y="325824"/>
+            <a:ext cx="10515600" cy="1182881"/>
           </a:xfrm>
         </p:spPr>
         <p:txBody>
@@ -1500,16 +1500,16 @@
           <a:lstStyle/>
           <a:p>
             <a:r>
-              <a:rPr kumimoji="1" lang="ja-JP" altLang="en-US" smtClean="0"/>
+              <a:rPr lang="ja-JP" altLang="en-US" smtClean="0"/>
               <a:t>マスター タイトルの書式設定</a:t>
             </a:r>
-            <a:endParaRPr kumimoji="1" lang="ja-JP" altLang="en-US"/>
+            <a:endParaRPr lang="en-US" dirty="0"/>
           </a:p>
         </p:txBody>
       </p:sp>
       <p:sp>
         <p:nvSpPr>
-          <p:cNvPr id="3" name="テキスト プレースホルダー 2"/>
+          <p:cNvPr id="3" name="Text Placeholder 2"/>
           <p:cNvSpPr>
             <a:spLocks noGrp="1"/>
           </p:cNvSpPr>
@@ -1519,8 +1519,8 @@
         </p:nvSpPr>
         <p:spPr>
           <a:xfrm>
-            <a:off x="839788" y="1681163"/>
-            <a:ext cx="5157787" cy="823912"/>
+            <a:off x="839789" y="1500205"/>
+            <a:ext cx="5157787" cy="735227"/>
           </a:xfrm>
         </p:spPr>
         <p:txBody>
@@ -1528,45 +1528,45 @@
           <a:lstStyle>
             <a:lvl1pPr marL="0" indent="0">
               <a:buNone/>
-              <a:defRPr sz="2400" b="1"/>
+              <a:defRPr sz="2142" b="1"/>
             </a:lvl1pPr>
-            <a:lvl2pPr marL="457200" indent="0">
+            <a:lvl2pPr marL="408005" indent="0">
               <a:buNone/>
-              <a:defRPr sz="2000" b="1"/>
+              <a:defRPr sz="1785" b="1"/>
             </a:lvl2pPr>
-            <a:lvl3pPr marL="914400" indent="0">
+            <a:lvl3pPr marL="816011" indent="0">
               <a:buNone/>
-              <a:defRPr sz="1800" b="1"/>
+              <a:defRPr sz="1606" b="1"/>
             </a:lvl3pPr>
-            <a:lvl4pPr marL="1371600" indent="0">
+            <a:lvl4pPr marL="1224016" indent="0">
               <a:buNone/>
-              <a:defRPr sz="1600" b="1"/>
+              <a:defRPr sz="1428" b="1"/>
             </a:lvl4pPr>
-            <a:lvl5pPr marL="1828800" indent="0">
+            <a:lvl5pPr marL="1632021" indent="0">
               <a:buNone/>
-              <a:defRPr sz="1600" b="1"/>
+              <a:defRPr sz="1428" b="1"/>
             </a:lvl5pPr>
-            <a:lvl6pPr marL="2286000" indent="0">
+            <a:lvl6pPr marL="2040026" indent="0">
               <a:buNone/>
-              <a:defRPr sz="1600" b="1"/>
+              <a:defRPr sz="1428" b="1"/>
             </a:lvl6pPr>
-            <a:lvl7pPr marL="2743200" indent="0">
+            <a:lvl7pPr marL="2448032" indent="0">
               <a:buNone/>
-              <a:defRPr sz="1600" b="1"/>
+              <a:defRPr sz="1428" b="1"/>
             </a:lvl7pPr>
-            <a:lvl8pPr marL="3200400" indent="0">
+            <a:lvl8pPr marL="2856037" indent="0">
               <a:buNone/>
-              <a:defRPr sz="1600" b="1"/>
+              <a:defRPr sz="1428" b="1"/>
             </a:lvl8pPr>
-            <a:lvl9pPr marL="3657600" indent="0">
+            <a:lvl9pPr marL="3264042" indent="0">
               <a:buNone/>
-              <a:defRPr sz="1600" b="1"/>
+              <a:defRPr sz="1428" b="1"/>
             </a:lvl9pPr>
           </a:lstStyle>
           <a:p>
             <a:pPr lvl="0"/>
             <a:r>
-              <a:rPr kumimoji="1" lang="ja-JP" altLang="en-US" smtClean="0"/>
+              <a:rPr lang="ja-JP" altLang="en-US" smtClean="0"/>
               <a:t>マスター テキストの書式設定</a:t>
             </a:r>
           </a:p>
@@ -1574,7 +1574,7 @@
       </p:sp>
       <p:sp>
         <p:nvSpPr>
-          <p:cNvPr id="4" name="コンテンツ プレースホルダー 3"/>
+          <p:cNvPr id="4" name="Content Placeholder 3"/>
           <p:cNvSpPr>
             <a:spLocks noGrp="1"/>
           </p:cNvSpPr>
@@ -1584,8 +1584,8 @@
         </p:nvSpPr>
         <p:spPr>
           <a:xfrm>
-            <a:off x="839788" y="2505075"/>
-            <a:ext cx="5157787" cy="3684588"/>
+            <a:off x="839789" y="2235432"/>
+            <a:ext cx="5157787" cy="3287983"/>
           </a:xfrm>
         </p:spPr>
         <p:txBody>
@@ -1594,76 +1594,76 @@
           <a:p>
             <a:pPr lvl="0"/>
             <a:r>
-              <a:rPr kumimoji="1" lang="ja-JP" altLang="en-US" smtClean="0"/>
+              <a:rPr lang="ja-JP" altLang="en-US" smtClean="0"/>
               <a:t>マスター テキストの書式設定</a:t>
             </a:r>
           </a:p>
           <a:p>
             <a:pPr lvl="1"/>
             <a:r>
-              <a:rPr kumimoji="1" lang="ja-JP" altLang="en-US" smtClean="0"/>
+              <a:rPr lang="ja-JP" altLang="en-US" smtClean="0"/>
               <a:t>第 </a:t>
             </a:r>
             <a:r>
-              <a:rPr kumimoji="1" lang="en-US" altLang="ja-JP" smtClean="0"/>
+              <a:rPr lang="en-US" altLang="ja-JP" smtClean="0"/>
               <a:t>2 </a:t>
             </a:r>
             <a:r>
-              <a:rPr kumimoji="1" lang="ja-JP" altLang="en-US" smtClean="0"/>
+              <a:rPr lang="ja-JP" altLang="en-US" smtClean="0"/>
               <a:t>レベル</a:t>
             </a:r>
           </a:p>
           <a:p>
             <a:pPr lvl="2"/>
             <a:r>
-              <a:rPr kumimoji="1" lang="ja-JP" altLang="en-US" smtClean="0"/>
+              <a:rPr lang="ja-JP" altLang="en-US" smtClean="0"/>
               <a:t>第 </a:t>
             </a:r>
             <a:r>
-              <a:rPr kumimoji="1" lang="en-US" altLang="ja-JP" smtClean="0"/>
+              <a:rPr lang="en-US" altLang="ja-JP" smtClean="0"/>
               <a:t>3 </a:t>
             </a:r>
             <a:r>
-              <a:rPr kumimoji="1" lang="ja-JP" altLang="en-US" smtClean="0"/>
+              <a:rPr lang="ja-JP" altLang="en-US" smtClean="0"/>
               <a:t>レベル</a:t>
             </a:r>
           </a:p>
           <a:p>
             <a:pPr lvl="3"/>
             <a:r>
-              <a:rPr kumimoji="1" lang="ja-JP" altLang="en-US" smtClean="0"/>
+              <a:rPr lang="ja-JP" altLang="en-US" smtClean="0"/>
               <a:t>第 </a:t>
             </a:r>
             <a:r>
-              <a:rPr kumimoji="1" lang="en-US" altLang="ja-JP" smtClean="0"/>
+              <a:rPr lang="en-US" altLang="ja-JP" smtClean="0"/>
               <a:t>4 </a:t>
             </a:r>
             <a:r>
-              <a:rPr kumimoji="1" lang="ja-JP" altLang="en-US" smtClean="0"/>
+              <a:rPr lang="ja-JP" altLang="en-US" smtClean="0"/>
               <a:t>レベル</a:t>
             </a:r>
           </a:p>
           <a:p>
             <a:pPr lvl="4"/>
             <a:r>
-              <a:rPr kumimoji="1" lang="ja-JP" altLang="en-US" smtClean="0"/>
+              <a:rPr lang="ja-JP" altLang="en-US" smtClean="0"/>
               <a:t>第 </a:t>
             </a:r>
             <a:r>
-              <a:rPr kumimoji="1" lang="en-US" altLang="ja-JP" smtClean="0"/>
+              <a:rPr lang="en-US" altLang="ja-JP" smtClean="0"/>
               <a:t>5 </a:t>
             </a:r>
             <a:r>
-              <a:rPr kumimoji="1" lang="ja-JP" altLang="en-US" smtClean="0"/>
+              <a:rPr lang="ja-JP" altLang="en-US" smtClean="0"/>
               <a:t>レベル</a:t>
             </a:r>
-            <a:endParaRPr kumimoji="1" lang="ja-JP" altLang="en-US"/>
+            <a:endParaRPr lang="en-US" dirty="0"/>
           </a:p>
         </p:txBody>
       </p:sp>
       <p:sp>
         <p:nvSpPr>
-          <p:cNvPr id="5" name="テキスト プレースホルダー 4"/>
+          <p:cNvPr id="5" name="Text Placeholder 4"/>
           <p:cNvSpPr>
             <a:spLocks noGrp="1"/>
           </p:cNvSpPr>
@@ -1673,8 +1673,8 @@
         </p:nvSpPr>
         <p:spPr>
           <a:xfrm>
-            <a:off x="6172200" y="1681163"/>
-            <a:ext cx="5183188" cy="823912"/>
+            <a:off x="6172200" y="1500205"/>
+            <a:ext cx="5183188" cy="735227"/>
           </a:xfrm>
         </p:spPr>
         <p:txBody>
@@ -1682,45 +1682,45 @@
           <a:lstStyle>
             <a:lvl1pPr marL="0" indent="0">
               <a:buNone/>
-              <a:defRPr sz="2400" b="1"/>
+              <a:defRPr sz="2142" b="1"/>
             </a:lvl1pPr>
-            <a:lvl2pPr marL="457200" indent="0">
+            <a:lvl2pPr marL="408005" indent="0">
               <a:buNone/>
-              <a:defRPr sz="2000" b="1"/>
+              <a:defRPr sz="1785" b="1"/>
             </a:lvl2pPr>
-            <a:lvl3pPr marL="914400" indent="0">
+            <a:lvl3pPr marL="816011" indent="0">
               <a:buNone/>
-              <a:defRPr sz="1800" b="1"/>
+              <a:defRPr sz="1606" b="1"/>
             </a:lvl3pPr>
-            <a:lvl4pPr marL="1371600" indent="0">
+            <a:lvl4pPr marL="1224016" indent="0">
               <a:buNone/>
-              <a:defRPr sz="1600" b="1"/>
+              <a:defRPr sz="1428" b="1"/>
             </a:lvl4pPr>
-            <a:lvl5pPr marL="1828800" indent="0">
+            <a:lvl5pPr marL="1632021" indent="0">
               <a:buNone/>
-              <a:defRPr sz="1600" b="1"/>
+              <a:defRPr sz="1428" b="1"/>
             </a:lvl5pPr>
-            <a:lvl6pPr marL="2286000" indent="0">
+            <a:lvl6pPr marL="2040026" indent="0">
               <a:buNone/>
-              <a:defRPr sz="1600" b="1"/>
+              <a:defRPr sz="1428" b="1"/>
             </a:lvl6pPr>
-            <a:lvl7pPr marL="2743200" indent="0">
+            <a:lvl7pPr marL="2448032" indent="0">
               <a:buNone/>
-              <a:defRPr sz="1600" b="1"/>
+              <a:defRPr sz="1428" b="1"/>
             </a:lvl7pPr>
-            <a:lvl8pPr marL="3200400" indent="0">
+            <a:lvl8pPr marL="2856037" indent="0">
               <a:buNone/>
-              <a:defRPr sz="1600" b="1"/>
+              <a:defRPr sz="1428" b="1"/>
             </a:lvl8pPr>
-            <a:lvl9pPr marL="3657600" indent="0">
+            <a:lvl9pPr marL="3264042" indent="0">
               <a:buNone/>
-              <a:defRPr sz="1600" b="1"/>
+              <a:defRPr sz="1428" b="1"/>
             </a:lvl9pPr>
           </a:lstStyle>
           <a:p>
             <a:pPr lvl="0"/>
             <a:r>
-              <a:rPr kumimoji="1" lang="ja-JP" altLang="en-US" smtClean="0"/>
+              <a:rPr lang="ja-JP" altLang="en-US" smtClean="0"/>
               <a:t>マスター テキストの書式設定</a:t>
             </a:r>
           </a:p>
@@ -1728,7 +1728,7 @@
       </p:sp>
       <p:sp>
         <p:nvSpPr>
-          <p:cNvPr id="6" name="コンテンツ プレースホルダー 5"/>
+          <p:cNvPr id="6" name="Content Placeholder 5"/>
           <p:cNvSpPr>
             <a:spLocks noGrp="1"/>
           </p:cNvSpPr>
@@ -1738,8 +1738,8 @@
         </p:nvSpPr>
         <p:spPr>
           <a:xfrm>
-            <a:off x="6172200" y="2505075"/>
-            <a:ext cx="5183188" cy="3684588"/>
+            <a:off x="6172200" y="2235432"/>
+            <a:ext cx="5183188" cy="3287983"/>
           </a:xfrm>
         </p:spPr>
         <p:txBody>
@@ -1748,76 +1748,76 @@
           <a:p>
             <a:pPr lvl="0"/>
             <a:r>
-              <a:rPr kumimoji="1" lang="ja-JP" altLang="en-US" smtClean="0"/>
+              <a:rPr lang="ja-JP" altLang="en-US" smtClean="0"/>
               <a:t>マスター テキストの書式設定</a:t>
             </a:r>
           </a:p>
           <a:p>
             <a:pPr lvl="1"/>
             <a:r>
-              <a:rPr kumimoji="1" lang="ja-JP" altLang="en-US" smtClean="0"/>
+              <a:rPr lang="ja-JP" altLang="en-US" smtClean="0"/>
               <a:t>第 </a:t>
             </a:r>
             <a:r>
-              <a:rPr kumimoji="1" lang="en-US" altLang="ja-JP" smtClean="0"/>
+              <a:rPr lang="en-US" altLang="ja-JP" smtClean="0"/>
               <a:t>2 </a:t>
             </a:r>
             <a:r>
-              <a:rPr kumimoji="1" lang="ja-JP" altLang="en-US" smtClean="0"/>
+              <a:rPr lang="ja-JP" altLang="en-US" smtClean="0"/>
               <a:t>レベル</a:t>
             </a:r>
           </a:p>
           <a:p>
             <a:pPr lvl="2"/>
             <a:r>
-              <a:rPr kumimoji="1" lang="ja-JP" altLang="en-US" smtClean="0"/>
+              <a:rPr lang="ja-JP" altLang="en-US" smtClean="0"/>
               <a:t>第 </a:t>
             </a:r>
             <a:r>
-              <a:rPr kumimoji="1" lang="en-US" altLang="ja-JP" smtClean="0"/>
+              <a:rPr lang="en-US" altLang="ja-JP" smtClean="0"/>
               <a:t>3 </a:t>
             </a:r>
             <a:r>
-              <a:rPr kumimoji="1" lang="ja-JP" altLang="en-US" smtClean="0"/>
+              <a:rPr lang="ja-JP" altLang="en-US" smtClean="0"/>
               <a:t>レベル</a:t>
             </a:r>
           </a:p>
           <a:p>
             <a:pPr lvl="3"/>
             <a:r>
-              <a:rPr kumimoji="1" lang="ja-JP" altLang="en-US" smtClean="0"/>
+              <a:rPr lang="ja-JP" altLang="en-US" smtClean="0"/>
               <a:t>第 </a:t>
             </a:r>
             <a:r>
-              <a:rPr kumimoji="1" lang="en-US" altLang="ja-JP" smtClean="0"/>
+              <a:rPr lang="en-US" altLang="ja-JP" smtClean="0"/>
               <a:t>4 </a:t>
             </a:r>
             <a:r>
-              <a:rPr kumimoji="1" lang="ja-JP" altLang="en-US" smtClean="0"/>
+              <a:rPr lang="ja-JP" altLang="en-US" smtClean="0"/>
               <a:t>レベル</a:t>
             </a:r>
           </a:p>
           <a:p>
             <a:pPr lvl="4"/>
             <a:r>
-              <a:rPr kumimoji="1" lang="ja-JP" altLang="en-US" smtClean="0"/>
+              <a:rPr lang="ja-JP" altLang="en-US" smtClean="0"/>
               <a:t>第 </a:t>
             </a:r>
             <a:r>
-              <a:rPr kumimoji="1" lang="en-US" altLang="ja-JP" smtClean="0"/>
+              <a:rPr lang="en-US" altLang="ja-JP" smtClean="0"/>
               <a:t>5 </a:t>
             </a:r>
             <a:r>
-              <a:rPr kumimoji="1" lang="ja-JP" altLang="en-US" smtClean="0"/>
+              <a:rPr lang="ja-JP" altLang="en-US" smtClean="0"/>
               <a:t>レベル</a:t>
             </a:r>
-            <a:endParaRPr kumimoji="1" lang="ja-JP" altLang="en-US"/>
+            <a:endParaRPr lang="en-US" dirty="0"/>
           </a:p>
         </p:txBody>
       </p:sp>
       <p:sp>
         <p:nvSpPr>
-          <p:cNvPr id="7" name="日付プレースホルダー 6"/>
+          <p:cNvPr id="7" name="Date Placeholder 6"/>
           <p:cNvSpPr>
             <a:spLocks noGrp="1"/>
           </p:cNvSpPr>
@@ -1832,7 +1832,7 @@
           <a:p>
             <a:fld id="{E110B463-9257-4FB4-9566-5ADE85D69469}" type="datetimeFigureOut">
               <a:rPr kumimoji="1" lang="ja-JP" altLang="en-US" smtClean="0"/>
-              <a:t>2019/2/5</a:t>
+              <a:t>2019/2/6</a:t>
             </a:fld>
             <a:endParaRPr kumimoji="1" lang="ja-JP" altLang="en-US"/>
           </a:p>
@@ -1840,7 +1840,7 @@
       </p:sp>
       <p:sp>
         <p:nvSpPr>
-          <p:cNvPr id="8" name="フッター プレースホルダー 7"/>
+          <p:cNvPr id="8" name="Footer Placeholder 7"/>
           <p:cNvSpPr>
             <a:spLocks noGrp="1"/>
           </p:cNvSpPr>
@@ -1859,7 +1859,7 @@
       </p:sp>
       <p:sp>
         <p:nvSpPr>
-          <p:cNvPr id="9" name="スライド番号プレースホルダー 8"/>
+          <p:cNvPr id="9" name="Slide Number Placeholder 8"/>
           <p:cNvSpPr>
             <a:spLocks noGrp="1"/>
           </p:cNvSpPr>
@@ -1883,7 +1883,7 @@
     </p:spTree>
     <p:extLst>
       <p:ext uri="{BB962C8B-B14F-4D97-AF65-F5344CB8AC3E}">
-        <p14:creationId xmlns:p14="http://schemas.microsoft.com/office/powerpoint/2010/main" val="3217743206"/>
+        <p14:creationId xmlns:p14="http://schemas.microsoft.com/office/powerpoint/2010/main" val="280012451"/>
       </p:ext>
     </p:extLst>
   </p:cSld>
@@ -1912,7 +1912,7 @@
       </p:grpSpPr>
       <p:sp>
         <p:nvSpPr>
-          <p:cNvPr id="2" name="タイトル 1"/>
+          <p:cNvPr id="2" name="Title 1"/>
           <p:cNvSpPr>
             <a:spLocks noGrp="1"/>
           </p:cNvSpPr>
@@ -1926,16 +1926,16 @@
           <a:lstStyle/>
           <a:p>
             <a:r>
-              <a:rPr kumimoji="1" lang="ja-JP" altLang="en-US" smtClean="0"/>
+              <a:rPr lang="ja-JP" altLang="en-US" smtClean="0"/>
               <a:t>マスター タイトルの書式設定</a:t>
             </a:r>
-            <a:endParaRPr kumimoji="1" lang="ja-JP" altLang="en-US"/>
+            <a:endParaRPr lang="en-US" dirty="0"/>
           </a:p>
         </p:txBody>
       </p:sp>
       <p:sp>
         <p:nvSpPr>
-          <p:cNvPr id="3" name="日付プレースホルダー 2"/>
+          <p:cNvPr id="3" name="Date Placeholder 2"/>
           <p:cNvSpPr>
             <a:spLocks noGrp="1"/>
           </p:cNvSpPr>
@@ -1950,7 +1950,7 @@
           <a:p>
             <a:fld id="{E110B463-9257-4FB4-9566-5ADE85D69469}" type="datetimeFigureOut">
               <a:rPr kumimoji="1" lang="ja-JP" altLang="en-US" smtClean="0"/>
-              <a:t>2019/2/5</a:t>
+              <a:t>2019/2/6</a:t>
             </a:fld>
             <a:endParaRPr kumimoji="1" lang="ja-JP" altLang="en-US"/>
           </a:p>
@@ -1958,7 +1958,7 @@
       </p:sp>
       <p:sp>
         <p:nvSpPr>
-          <p:cNvPr id="4" name="フッター プレースホルダー 3"/>
+          <p:cNvPr id="4" name="Footer Placeholder 3"/>
           <p:cNvSpPr>
             <a:spLocks noGrp="1"/>
           </p:cNvSpPr>
@@ -1977,7 +1977,7 @@
       </p:sp>
       <p:sp>
         <p:nvSpPr>
-          <p:cNvPr id="5" name="スライド番号プレースホルダー 4"/>
+          <p:cNvPr id="5" name="Slide Number Placeholder 4"/>
           <p:cNvSpPr>
             <a:spLocks noGrp="1"/>
           </p:cNvSpPr>
@@ -2001,7 +2001,7 @@
     </p:spTree>
     <p:extLst>
       <p:ext uri="{BB962C8B-B14F-4D97-AF65-F5344CB8AC3E}">
-        <p14:creationId xmlns:p14="http://schemas.microsoft.com/office/powerpoint/2010/main" val="2247368574"/>
+        <p14:creationId xmlns:p14="http://schemas.microsoft.com/office/powerpoint/2010/main" val="263802360"/>
       </p:ext>
     </p:extLst>
   </p:cSld>
@@ -2030,7 +2030,7 @@
       </p:grpSpPr>
       <p:sp>
         <p:nvSpPr>
-          <p:cNvPr id="2" name="日付プレースホルダー 1"/>
+          <p:cNvPr id="2" name="Date Placeholder 1"/>
           <p:cNvSpPr>
             <a:spLocks noGrp="1"/>
           </p:cNvSpPr>
@@ -2045,7 +2045,7 @@
           <a:p>
             <a:fld id="{E110B463-9257-4FB4-9566-5ADE85D69469}" type="datetimeFigureOut">
               <a:rPr kumimoji="1" lang="ja-JP" altLang="en-US" smtClean="0"/>
-              <a:t>2019/2/5</a:t>
+              <a:t>2019/2/6</a:t>
             </a:fld>
             <a:endParaRPr kumimoji="1" lang="ja-JP" altLang="en-US"/>
           </a:p>
@@ -2053,7 +2053,7 @@
       </p:sp>
       <p:sp>
         <p:nvSpPr>
-          <p:cNvPr id="3" name="フッター プレースホルダー 2"/>
+          <p:cNvPr id="3" name="Footer Placeholder 2"/>
           <p:cNvSpPr>
             <a:spLocks noGrp="1"/>
           </p:cNvSpPr>
@@ -2072,7 +2072,7 @@
       </p:sp>
       <p:sp>
         <p:nvSpPr>
-          <p:cNvPr id="4" name="スライド番号プレースホルダー 3"/>
+          <p:cNvPr id="4" name="Slide Number Placeholder 3"/>
           <p:cNvSpPr>
             <a:spLocks noGrp="1"/>
           </p:cNvSpPr>
@@ -2096,7 +2096,7 @@
     </p:spTree>
     <p:extLst>
       <p:ext uri="{BB962C8B-B14F-4D97-AF65-F5344CB8AC3E}">
-        <p14:creationId xmlns:p14="http://schemas.microsoft.com/office/powerpoint/2010/main" val="4051345948"/>
+        <p14:creationId xmlns:p14="http://schemas.microsoft.com/office/powerpoint/2010/main" val="3565150290"/>
       </p:ext>
     </p:extLst>
   </p:cSld>
@@ -2125,7 +2125,7 @@
       </p:grpSpPr>
       <p:sp>
         <p:nvSpPr>
-          <p:cNvPr id="2" name="タイトル 1"/>
+          <p:cNvPr id="2" name="Title 1"/>
           <p:cNvSpPr>
             <a:spLocks noGrp="1"/>
           </p:cNvSpPr>
@@ -2135,29 +2135,29 @@
         </p:nvSpPr>
         <p:spPr>
           <a:xfrm>
-            <a:off x="839788" y="457200"/>
-            <a:ext cx="3932237" cy="1600200"/>
+            <a:off x="839789" y="407988"/>
+            <a:ext cx="3932237" cy="1427956"/>
           </a:xfrm>
         </p:spPr>
         <p:txBody>
           <a:bodyPr anchor="b"/>
           <a:lstStyle>
             <a:lvl1pPr>
-              <a:defRPr sz="3200"/>
+              <a:defRPr sz="2856"/>
             </a:lvl1pPr>
           </a:lstStyle>
           <a:p>
             <a:r>
-              <a:rPr kumimoji="1" lang="ja-JP" altLang="en-US" smtClean="0"/>
+              <a:rPr lang="ja-JP" altLang="en-US" smtClean="0"/>
               <a:t>マスター タイトルの書式設定</a:t>
             </a:r>
-            <a:endParaRPr kumimoji="1" lang="ja-JP" altLang="en-US"/>
+            <a:endParaRPr lang="en-US" dirty="0"/>
           </a:p>
         </p:txBody>
       </p:sp>
       <p:sp>
         <p:nvSpPr>
-          <p:cNvPr id="3" name="コンテンツ プレースホルダー 2"/>
+          <p:cNvPr id="3" name="Content Placeholder 2"/>
           <p:cNvSpPr>
             <a:spLocks noGrp="1"/>
           </p:cNvSpPr>
@@ -2167,114 +2167,114 @@
         </p:nvSpPr>
         <p:spPr>
           <a:xfrm>
-            <a:off x="5183188" y="987425"/>
-            <a:ext cx="6172200" cy="4873625"/>
+            <a:off x="5183188" y="881140"/>
+            <a:ext cx="6172200" cy="4349034"/>
           </a:xfrm>
         </p:spPr>
         <p:txBody>
           <a:bodyPr/>
           <a:lstStyle>
             <a:lvl1pPr>
-              <a:defRPr sz="3200"/>
+              <a:defRPr sz="2856"/>
             </a:lvl1pPr>
             <a:lvl2pPr>
-              <a:defRPr sz="2800"/>
+              <a:defRPr sz="2499"/>
             </a:lvl2pPr>
             <a:lvl3pPr>
-              <a:defRPr sz="2400"/>
+              <a:defRPr sz="2142"/>
             </a:lvl3pPr>
             <a:lvl4pPr>
-              <a:defRPr sz="2000"/>
+              <a:defRPr sz="1785"/>
             </a:lvl4pPr>
             <a:lvl5pPr>
-              <a:defRPr sz="2000"/>
+              <a:defRPr sz="1785"/>
             </a:lvl5pPr>
             <a:lvl6pPr>
-              <a:defRPr sz="2000"/>
+              <a:defRPr sz="1785"/>
             </a:lvl6pPr>
             <a:lvl7pPr>
-              <a:defRPr sz="2000"/>
+              <a:defRPr sz="1785"/>
             </a:lvl7pPr>
             <a:lvl8pPr>
-              <a:defRPr sz="2000"/>
+              <a:defRPr sz="1785"/>
             </a:lvl8pPr>
             <a:lvl9pPr>
-              <a:defRPr sz="2000"/>
+              <a:defRPr sz="1785"/>
             </a:lvl9pPr>
           </a:lstStyle>
           <a:p>
             <a:pPr lvl="0"/>
             <a:r>
-              <a:rPr kumimoji="1" lang="ja-JP" altLang="en-US" smtClean="0"/>
+              <a:rPr lang="ja-JP" altLang="en-US" smtClean="0"/>
               <a:t>マスター テキストの書式設定</a:t>
             </a:r>
           </a:p>
           <a:p>
             <a:pPr lvl="1"/>
             <a:r>
-              <a:rPr kumimoji="1" lang="ja-JP" altLang="en-US" smtClean="0"/>
+              <a:rPr lang="ja-JP" altLang="en-US" smtClean="0"/>
               <a:t>第 </a:t>
             </a:r>
             <a:r>
-              <a:rPr kumimoji="1" lang="en-US" altLang="ja-JP" smtClean="0"/>
+              <a:rPr lang="en-US" altLang="ja-JP" smtClean="0"/>
               <a:t>2 </a:t>
             </a:r>
             <a:r>
-              <a:rPr kumimoji="1" lang="ja-JP" altLang="en-US" smtClean="0"/>
+              <a:rPr lang="ja-JP" altLang="en-US" smtClean="0"/>
               <a:t>レベル</a:t>
             </a:r>
           </a:p>
           <a:p>
             <a:pPr lvl="2"/>
             <a:r>
-              <a:rPr kumimoji="1" lang="ja-JP" altLang="en-US" smtClean="0"/>
+              <a:rPr lang="ja-JP" altLang="en-US" smtClean="0"/>
               <a:t>第 </a:t>
             </a:r>
             <a:r>
-              <a:rPr kumimoji="1" lang="en-US" altLang="ja-JP" smtClean="0"/>
+              <a:rPr lang="en-US" altLang="ja-JP" smtClean="0"/>
               <a:t>3 </a:t>
             </a:r>
             <a:r>
-              <a:rPr kumimoji="1" lang="ja-JP" altLang="en-US" smtClean="0"/>
+              <a:rPr lang="ja-JP" altLang="en-US" smtClean="0"/>
               <a:t>レベル</a:t>
             </a:r>
           </a:p>
           <a:p>
             <a:pPr lvl="3"/>
             <a:r>
-              <a:rPr kumimoji="1" lang="ja-JP" altLang="en-US" smtClean="0"/>
+              <a:rPr lang="ja-JP" altLang="en-US" smtClean="0"/>
               <a:t>第 </a:t>
             </a:r>
             <a:r>
-              <a:rPr kumimoji="1" lang="en-US" altLang="ja-JP" smtClean="0"/>
+              <a:rPr lang="en-US" altLang="ja-JP" smtClean="0"/>
               <a:t>4 </a:t>
             </a:r>
             <a:r>
-              <a:rPr kumimoji="1" lang="ja-JP" altLang="en-US" smtClean="0"/>
+              <a:rPr lang="ja-JP" altLang="en-US" smtClean="0"/>
               <a:t>レベル</a:t>
             </a:r>
           </a:p>
           <a:p>
             <a:pPr lvl="4"/>
             <a:r>
-              <a:rPr kumimoji="1" lang="ja-JP" altLang="en-US" smtClean="0"/>
+              <a:rPr lang="ja-JP" altLang="en-US" smtClean="0"/>
               <a:t>第 </a:t>
             </a:r>
             <a:r>
-              <a:rPr kumimoji="1" lang="en-US" altLang="ja-JP" smtClean="0"/>
+              <a:rPr lang="en-US" altLang="ja-JP" smtClean="0"/>
               <a:t>5 </a:t>
             </a:r>
             <a:r>
-              <a:rPr kumimoji="1" lang="ja-JP" altLang="en-US" smtClean="0"/>
+              <a:rPr lang="ja-JP" altLang="en-US" smtClean="0"/>
               <a:t>レベル</a:t>
             </a:r>
-            <a:endParaRPr kumimoji="1" lang="ja-JP" altLang="en-US"/>
+            <a:endParaRPr lang="en-US" dirty="0"/>
           </a:p>
         </p:txBody>
       </p:sp>
       <p:sp>
         <p:nvSpPr>
-          <p:cNvPr id="4" name="テキスト プレースホルダー 3"/>
+          <p:cNvPr id="4" name="Text Placeholder 3"/>
           <p:cNvSpPr>
             <a:spLocks noGrp="1"/>
           </p:cNvSpPr>
@@ -2284,8 +2284,8 @@
         </p:nvSpPr>
         <p:spPr>
           <a:xfrm>
-            <a:off x="839788" y="2057400"/>
-            <a:ext cx="3932237" cy="3811588"/>
+            <a:off x="839789" y="1835944"/>
+            <a:ext cx="3932237" cy="3401313"/>
           </a:xfrm>
         </p:spPr>
         <p:txBody>
@@ -2293,45 +2293,45 @@
           <a:lstStyle>
             <a:lvl1pPr marL="0" indent="0">
               <a:buNone/>
-              <a:defRPr sz="1600"/>
+              <a:defRPr sz="1428"/>
             </a:lvl1pPr>
-            <a:lvl2pPr marL="457200" indent="0">
+            <a:lvl2pPr marL="408005" indent="0">
               <a:buNone/>
-              <a:defRPr sz="1400"/>
+              <a:defRPr sz="1249"/>
             </a:lvl2pPr>
-            <a:lvl3pPr marL="914400" indent="0">
+            <a:lvl3pPr marL="816011" indent="0">
               <a:buNone/>
-              <a:defRPr sz="1200"/>
+              <a:defRPr sz="1071"/>
             </a:lvl3pPr>
-            <a:lvl4pPr marL="1371600" indent="0">
+            <a:lvl4pPr marL="1224016" indent="0">
               <a:buNone/>
-              <a:defRPr sz="1000"/>
+              <a:defRPr sz="892"/>
             </a:lvl4pPr>
-            <a:lvl5pPr marL="1828800" indent="0">
+            <a:lvl5pPr marL="1632021" indent="0">
               <a:buNone/>
-              <a:defRPr sz="1000"/>
+              <a:defRPr sz="892"/>
             </a:lvl5pPr>
-            <a:lvl6pPr marL="2286000" indent="0">
+            <a:lvl6pPr marL="2040026" indent="0">
               <a:buNone/>
-              <a:defRPr sz="1000"/>
+              <a:defRPr sz="892"/>
             </a:lvl6pPr>
-            <a:lvl7pPr marL="2743200" indent="0">
+            <a:lvl7pPr marL="2448032" indent="0">
               <a:buNone/>
-              <a:defRPr sz="1000"/>
+              <a:defRPr sz="892"/>
             </a:lvl7pPr>
-            <a:lvl8pPr marL="3200400" indent="0">
+            <a:lvl8pPr marL="2856037" indent="0">
               <a:buNone/>
-              <a:defRPr sz="1000"/>
+              <a:defRPr sz="892"/>
             </a:lvl8pPr>
-            <a:lvl9pPr marL="3657600" indent="0">
+            <a:lvl9pPr marL="3264042" indent="0">
               <a:buNone/>
-              <a:defRPr sz="1000"/>
+              <a:defRPr sz="892"/>
             </a:lvl9pPr>
           </a:lstStyle>
           <a:p>
             <a:pPr lvl="0"/>
             <a:r>
-              <a:rPr kumimoji="1" lang="ja-JP" altLang="en-US" smtClean="0"/>
+              <a:rPr lang="ja-JP" altLang="en-US" smtClean="0"/>
               <a:t>マスター テキストの書式設定</a:t>
             </a:r>
           </a:p>
@@ -2339,7 +2339,7 @@
       </p:sp>
       <p:sp>
         <p:nvSpPr>
-          <p:cNvPr id="5" name="日付プレースホルダー 4"/>
+          <p:cNvPr id="5" name="Date Placeholder 4"/>
           <p:cNvSpPr>
             <a:spLocks noGrp="1"/>
           </p:cNvSpPr>
@@ -2354,7 +2354,7 @@
           <a:p>
             <a:fld id="{E110B463-9257-4FB4-9566-5ADE85D69469}" type="datetimeFigureOut">
               <a:rPr kumimoji="1" lang="ja-JP" altLang="en-US" smtClean="0"/>
-              <a:t>2019/2/5</a:t>
+              <a:t>2019/2/6</a:t>
             </a:fld>
             <a:endParaRPr kumimoji="1" lang="ja-JP" altLang="en-US"/>
           </a:p>
@@ -2362,7 +2362,7 @@
       </p:sp>
       <p:sp>
         <p:nvSpPr>
-          <p:cNvPr id="6" name="フッター プレースホルダー 5"/>
+          <p:cNvPr id="6" name="Footer Placeholder 5"/>
           <p:cNvSpPr>
             <a:spLocks noGrp="1"/>
           </p:cNvSpPr>
@@ -2381,7 +2381,7 @@
       </p:sp>
       <p:sp>
         <p:nvSpPr>
-          <p:cNvPr id="7" name="スライド番号プレースホルダー 6"/>
+          <p:cNvPr id="7" name="Slide Number Placeholder 6"/>
           <p:cNvSpPr>
             <a:spLocks noGrp="1"/>
           </p:cNvSpPr>
@@ -2405,7 +2405,7 @@
     </p:spTree>
     <p:extLst>
       <p:ext uri="{BB962C8B-B14F-4D97-AF65-F5344CB8AC3E}">
-        <p14:creationId xmlns:p14="http://schemas.microsoft.com/office/powerpoint/2010/main" val="3397705016"/>
+        <p14:creationId xmlns:p14="http://schemas.microsoft.com/office/powerpoint/2010/main" val="494384834"/>
       </p:ext>
     </p:extLst>
   </p:cSld>
@@ -2434,7 +2434,7 @@
       </p:grpSpPr>
       <p:sp>
         <p:nvSpPr>
-          <p:cNvPr id="2" name="タイトル 1"/>
+          <p:cNvPr id="2" name="Title 1"/>
           <p:cNvSpPr>
             <a:spLocks noGrp="1"/>
           </p:cNvSpPr>
@@ -2444,31 +2444,31 @@
         </p:nvSpPr>
         <p:spPr>
           <a:xfrm>
-            <a:off x="839788" y="457200"/>
-            <a:ext cx="3932237" cy="1600200"/>
+            <a:off x="839789" y="407988"/>
+            <a:ext cx="3932237" cy="1427956"/>
           </a:xfrm>
         </p:spPr>
         <p:txBody>
           <a:bodyPr anchor="b"/>
           <a:lstStyle>
             <a:lvl1pPr>
-              <a:defRPr sz="3200"/>
+              <a:defRPr sz="2856"/>
             </a:lvl1pPr>
           </a:lstStyle>
           <a:p>
             <a:r>
-              <a:rPr kumimoji="1" lang="ja-JP" altLang="en-US" smtClean="0"/>
+              <a:rPr lang="ja-JP" altLang="en-US" smtClean="0"/>
               <a:t>マスター タイトルの書式設定</a:t>
             </a:r>
-            <a:endParaRPr kumimoji="1" lang="ja-JP" altLang="en-US"/>
+            <a:endParaRPr lang="en-US" dirty="0"/>
           </a:p>
         </p:txBody>
       </p:sp>
       <p:sp>
         <p:nvSpPr>
-          <p:cNvPr id="3" name="図プレースホルダー 2"/>
+          <p:cNvPr id="3" name="Picture Placeholder 2"/>
           <p:cNvSpPr>
-            <a:spLocks noGrp="1"/>
+            <a:spLocks noGrp="1" noChangeAspect="1"/>
           </p:cNvSpPr>
           <p:nvPr>
             <p:ph type="pic" idx="1"/>
@@ -2476,58 +2476,62 @@
         </p:nvSpPr>
         <p:spPr>
           <a:xfrm>
-            <a:off x="5183188" y="987425"/>
-            <a:ext cx="6172200" cy="4873625"/>
+            <a:off x="5183188" y="881140"/>
+            <a:ext cx="6172200" cy="4349034"/>
           </a:xfrm>
         </p:spPr>
         <p:txBody>
-          <a:bodyPr/>
+          <a:bodyPr anchor="t"/>
           <a:lstStyle>
             <a:lvl1pPr marL="0" indent="0">
               <a:buNone/>
-              <a:defRPr sz="3200"/>
+              <a:defRPr sz="2856"/>
             </a:lvl1pPr>
-            <a:lvl2pPr marL="457200" indent="0">
+            <a:lvl2pPr marL="408005" indent="0">
               <a:buNone/>
-              <a:defRPr sz="2800"/>
+              <a:defRPr sz="2499"/>
             </a:lvl2pPr>
-            <a:lvl3pPr marL="914400" indent="0">
+            <a:lvl3pPr marL="816011" indent="0">
               <a:buNone/>
-              <a:defRPr sz="2400"/>
+              <a:defRPr sz="2142"/>
             </a:lvl3pPr>
-            <a:lvl4pPr marL="1371600" indent="0">
+            <a:lvl4pPr marL="1224016" indent="0">
               <a:buNone/>
-              <a:defRPr sz="2000"/>
+              <a:defRPr sz="1785"/>
             </a:lvl4pPr>
-            <a:lvl5pPr marL="1828800" indent="0">
+            <a:lvl5pPr marL="1632021" indent="0">
               <a:buNone/>
-              <a:defRPr sz="2000"/>
+              <a:defRPr sz="1785"/>
             </a:lvl5pPr>
-            <a:lvl6pPr marL="2286000" indent="0">
+            <a:lvl6pPr marL="2040026" indent="0">
               <a:buNone/>
-              <a:defRPr sz="2000"/>
+              <a:defRPr sz="1785"/>
             </a:lvl6pPr>
-            <a:lvl7pPr marL="2743200" indent="0">
+            <a:lvl7pPr marL="2448032" indent="0">
               <a:buNone/>
-              <a:defRPr sz="2000"/>
+              <a:defRPr sz="1785"/>
             </a:lvl7pPr>
-            <a:lvl8pPr marL="3200400" indent="0">
+            <a:lvl8pPr marL="2856037" indent="0">
               <a:buNone/>
-              <a:defRPr sz="2000"/>
+              <a:defRPr sz="1785"/>
             </a:lvl8pPr>
-            <a:lvl9pPr marL="3657600" indent="0">
+            <a:lvl9pPr marL="3264042" indent="0">
               <a:buNone/>
-              <a:defRPr sz="2000"/>
+              <a:defRPr sz="1785"/>
             </a:lvl9pPr>
           </a:lstStyle>
           <a:p>
-            <a:endParaRPr kumimoji="1" lang="ja-JP" altLang="en-US"/>
+            <a:r>
+              <a:rPr lang="ja-JP" altLang="en-US" smtClean="0"/>
+              <a:t>図を追加</a:t>
+            </a:r>
+            <a:endParaRPr lang="en-US" dirty="0"/>
           </a:p>
         </p:txBody>
       </p:sp>
       <p:sp>
         <p:nvSpPr>
-          <p:cNvPr id="4" name="テキスト プレースホルダー 3"/>
+          <p:cNvPr id="4" name="Text Placeholder 3"/>
           <p:cNvSpPr>
             <a:spLocks noGrp="1"/>
           </p:cNvSpPr>
@@ -2537,8 +2541,8 @@
         </p:nvSpPr>
         <p:spPr>
           <a:xfrm>
-            <a:off x="839788" y="2057400"/>
-            <a:ext cx="3932237" cy="3811588"/>
+            <a:off x="839789" y="1835944"/>
+            <a:ext cx="3932237" cy="3401313"/>
           </a:xfrm>
         </p:spPr>
         <p:txBody>
@@ -2546,45 +2550,45 @@
           <a:lstStyle>
             <a:lvl1pPr marL="0" indent="0">
               <a:buNone/>
-              <a:defRPr sz="1600"/>
+              <a:defRPr sz="1428"/>
             </a:lvl1pPr>
-            <a:lvl2pPr marL="457200" indent="0">
+            <a:lvl2pPr marL="408005" indent="0">
               <a:buNone/>
-              <a:defRPr sz="1400"/>
+              <a:defRPr sz="1249"/>
             </a:lvl2pPr>
-            <a:lvl3pPr marL="914400" indent="0">
+            <a:lvl3pPr marL="816011" indent="0">
               <a:buNone/>
-              <a:defRPr sz="1200"/>
+              <a:defRPr sz="1071"/>
             </a:lvl3pPr>
-            <a:lvl4pPr marL="1371600" indent="0">
+            <a:lvl4pPr marL="1224016" indent="0">
               <a:buNone/>
-              <a:defRPr sz="1000"/>
+              <a:defRPr sz="892"/>
             </a:lvl4pPr>
-            <a:lvl5pPr marL="1828800" indent="0">
+            <a:lvl5pPr marL="1632021" indent="0">
               <a:buNone/>
-              <a:defRPr sz="1000"/>
+              <a:defRPr sz="892"/>
             </a:lvl5pPr>
-            <a:lvl6pPr marL="2286000" indent="0">
+            <a:lvl6pPr marL="2040026" indent="0">
               <a:buNone/>
-              <a:defRPr sz="1000"/>
+              <a:defRPr sz="892"/>
             </a:lvl6pPr>
-            <a:lvl7pPr marL="2743200" indent="0">
+            <a:lvl7pPr marL="2448032" indent="0">
               <a:buNone/>
-              <a:defRPr sz="1000"/>
+              <a:defRPr sz="892"/>
             </a:lvl7pPr>
-            <a:lvl8pPr marL="3200400" indent="0">
+            <a:lvl8pPr marL="2856037" indent="0">
               <a:buNone/>
-              <a:defRPr sz="1000"/>
+              <a:defRPr sz="892"/>
             </a:lvl8pPr>
-            <a:lvl9pPr marL="3657600" indent="0">
+            <a:lvl9pPr marL="3264042" indent="0">
               <a:buNone/>
-              <a:defRPr sz="1000"/>
+              <a:defRPr sz="892"/>
             </a:lvl9pPr>
           </a:lstStyle>
           <a:p>
             <a:pPr lvl="0"/>
             <a:r>
-              <a:rPr kumimoji="1" lang="ja-JP" altLang="en-US" smtClean="0"/>
+              <a:rPr lang="ja-JP" altLang="en-US" smtClean="0"/>
               <a:t>マスター テキストの書式設定</a:t>
             </a:r>
           </a:p>
@@ -2592,7 +2596,7 @@
       </p:sp>
       <p:sp>
         <p:nvSpPr>
-          <p:cNvPr id="5" name="日付プレースホルダー 4"/>
+          <p:cNvPr id="5" name="Date Placeholder 4"/>
           <p:cNvSpPr>
             <a:spLocks noGrp="1"/>
           </p:cNvSpPr>
@@ -2607,7 +2611,7 @@
           <a:p>
             <a:fld id="{E110B463-9257-4FB4-9566-5ADE85D69469}" type="datetimeFigureOut">
               <a:rPr kumimoji="1" lang="ja-JP" altLang="en-US" smtClean="0"/>
-              <a:t>2019/2/5</a:t>
+              <a:t>2019/2/6</a:t>
             </a:fld>
             <a:endParaRPr kumimoji="1" lang="ja-JP" altLang="en-US"/>
           </a:p>
@@ -2615,7 +2619,7 @@
       </p:sp>
       <p:sp>
         <p:nvSpPr>
-          <p:cNvPr id="6" name="フッター プレースホルダー 5"/>
+          <p:cNvPr id="6" name="Footer Placeholder 5"/>
           <p:cNvSpPr>
             <a:spLocks noGrp="1"/>
           </p:cNvSpPr>
@@ -2634,7 +2638,7 @@
       </p:sp>
       <p:sp>
         <p:nvSpPr>
-          <p:cNvPr id="7" name="スライド番号プレースホルダー 6"/>
+          <p:cNvPr id="7" name="Slide Number Placeholder 6"/>
           <p:cNvSpPr>
             <a:spLocks noGrp="1"/>
           </p:cNvSpPr>
@@ -2658,7 +2662,7 @@
     </p:spTree>
     <p:extLst>
       <p:ext uri="{BB962C8B-B14F-4D97-AF65-F5344CB8AC3E}">
-        <p14:creationId xmlns:p14="http://schemas.microsoft.com/office/powerpoint/2010/main" val="2699051938"/>
+        <p14:creationId xmlns:p14="http://schemas.microsoft.com/office/powerpoint/2010/main" val="585459638"/>
       </p:ext>
     </p:extLst>
   </p:cSld>
@@ -2692,7 +2696,7 @@
       </p:grpSpPr>
       <p:sp>
         <p:nvSpPr>
-          <p:cNvPr id="2" name="タイトル プレースホルダー 1"/>
+          <p:cNvPr id="2" name="Title Placeholder 1"/>
           <p:cNvSpPr>
             <a:spLocks noGrp="1"/>
           </p:cNvSpPr>
@@ -2702,8 +2706,8 @@
         </p:nvSpPr>
         <p:spPr>
           <a:xfrm>
-            <a:off x="838200" y="365125"/>
-            <a:ext cx="10515600" cy="1325563"/>
+            <a:off x="838200" y="325824"/>
+            <a:ext cx="10515600" cy="1182881"/>
           </a:xfrm>
           <a:prstGeom prst="rect">
             <a:avLst/>
@@ -2716,16 +2720,16 @@
           <a:lstStyle/>
           <a:p>
             <a:r>
-              <a:rPr kumimoji="1" lang="ja-JP" altLang="en-US" smtClean="0"/>
+              <a:rPr lang="ja-JP" altLang="en-US" smtClean="0"/>
               <a:t>マスター タイトルの書式設定</a:t>
             </a:r>
-            <a:endParaRPr kumimoji="1" lang="ja-JP" altLang="en-US"/>
+            <a:endParaRPr lang="en-US" dirty="0"/>
           </a:p>
         </p:txBody>
       </p:sp>
       <p:sp>
         <p:nvSpPr>
-          <p:cNvPr id="3" name="テキスト プレースホルダー 2"/>
+          <p:cNvPr id="3" name="Text Placeholder 2"/>
           <p:cNvSpPr>
             <a:spLocks noGrp="1"/>
           </p:cNvSpPr>
@@ -2735,8 +2739,8 @@
         </p:nvSpPr>
         <p:spPr>
           <a:xfrm>
-            <a:off x="838200" y="1825625"/>
-            <a:ext cx="10515600" cy="4351338"/>
+            <a:off x="838200" y="1629117"/>
+            <a:ext cx="10515600" cy="3882965"/>
           </a:xfrm>
           <a:prstGeom prst="rect">
             <a:avLst/>
@@ -2750,76 +2754,76 @@
           <a:p>
             <a:pPr lvl="0"/>
             <a:r>
-              <a:rPr kumimoji="1" lang="ja-JP" altLang="en-US" smtClean="0"/>
+              <a:rPr lang="ja-JP" altLang="en-US" smtClean="0"/>
               <a:t>マスター テキストの書式設定</a:t>
             </a:r>
           </a:p>
           <a:p>
             <a:pPr lvl="1"/>
             <a:r>
-              <a:rPr kumimoji="1" lang="ja-JP" altLang="en-US" smtClean="0"/>
+              <a:rPr lang="ja-JP" altLang="en-US" smtClean="0"/>
               <a:t>第 </a:t>
             </a:r>
             <a:r>
-              <a:rPr kumimoji="1" lang="en-US" altLang="ja-JP" smtClean="0"/>
+              <a:rPr lang="en-US" altLang="ja-JP" smtClean="0"/>
               <a:t>2 </a:t>
             </a:r>
             <a:r>
-              <a:rPr kumimoji="1" lang="ja-JP" altLang="en-US" smtClean="0"/>
+              <a:rPr lang="ja-JP" altLang="en-US" smtClean="0"/>
               <a:t>レベル</a:t>
             </a:r>
           </a:p>
           <a:p>
             <a:pPr lvl="2"/>
             <a:r>
-              <a:rPr kumimoji="1" lang="ja-JP" altLang="en-US" smtClean="0"/>
+              <a:rPr lang="ja-JP" altLang="en-US" smtClean="0"/>
               <a:t>第 </a:t>
             </a:r>
             <a:r>
-              <a:rPr kumimoji="1" lang="en-US" altLang="ja-JP" smtClean="0"/>
+              <a:rPr lang="en-US" altLang="ja-JP" smtClean="0"/>
               <a:t>3 </a:t>
             </a:r>
             <a:r>
-              <a:rPr kumimoji="1" lang="ja-JP" altLang="en-US" smtClean="0"/>
+              <a:rPr lang="ja-JP" altLang="en-US" smtClean="0"/>
               <a:t>レベル</a:t>
             </a:r>
           </a:p>
           <a:p>
             <a:pPr lvl="3"/>
             <a:r>
-              <a:rPr kumimoji="1" lang="ja-JP" altLang="en-US" smtClean="0"/>
+              <a:rPr lang="ja-JP" altLang="en-US" smtClean="0"/>
               <a:t>第 </a:t>
             </a:r>
             <a:r>
-              <a:rPr kumimoji="1" lang="en-US" altLang="ja-JP" smtClean="0"/>
+              <a:rPr lang="en-US" altLang="ja-JP" smtClean="0"/>
               <a:t>4 </a:t>
             </a:r>
             <a:r>
-              <a:rPr kumimoji="1" lang="ja-JP" altLang="en-US" smtClean="0"/>
+              <a:rPr lang="ja-JP" altLang="en-US" smtClean="0"/>
               <a:t>レベル</a:t>
             </a:r>
           </a:p>
           <a:p>
             <a:pPr lvl="4"/>
             <a:r>
-              <a:rPr kumimoji="1" lang="ja-JP" altLang="en-US" smtClean="0"/>
+              <a:rPr lang="ja-JP" altLang="en-US" smtClean="0"/>
               <a:t>第 </a:t>
             </a:r>
             <a:r>
-              <a:rPr kumimoji="1" lang="en-US" altLang="ja-JP" smtClean="0"/>
+              <a:rPr lang="en-US" altLang="ja-JP" smtClean="0"/>
               <a:t>5 </a:t>
             </a:r>
             <a:r>
-              <a:rPr kumimoji="1" lang="ja-JP" altLang="en-US" smtClean="0"/>
+              <a:rPr lang="ja-JP" altLang="en-US" smtClean="0"/>
               <a:t>レベル</a:t>
             </a:r>
-            <a:endParaRPr kumimoji="1" lang="ja-JP" altLang="en-US"/>
+            <a:endParaRPr lang="en-US" dirty="0"/>
           </a:p>
         </p:txBody>
       </p:sp>
       <p:sp>
         <p:nvSpPr>
-          <p:cNvPr id="4" name="日付プレースホルダー 3"/>
+          <p:cNvPr id="4" name="Date Placeholder 3"/>
           <p:cNvSpPr>
             <a:spLocks noGrp="1"/>
           </p:cNvSpPr>
@@ -2829,8 +2833,8 @@
         </p:nvSpPr>
         <p:spPr>
           <a:xfrm>
-            <a:off x="838200" y="6356350"/>
-            <a:ext cx="2743200" cy="365125"/>
+            <a:off x="838200" y="5672161"/>
+            <a:ext cx="2743200" cy="325823"/>
           </a:xfrm>
           <a:prstGeom prst="rect">
             <a:avLst/>
@@ -2840,7 +2844,7 @@
           <a:bodyPr vert="horz" lIns="91440" tIns="45720" rIns="91440" bIns="45720" rtlCol="0" anchor="ctr"/>
           <a:lstStyle>
             <a:lvl1pPr algn="l">
-              <a:defRPr sz="1200">
+              <a:defRPr sz="1071">
                 <a:solidFill>
                   <a:schemeClr val="tx1">
                     <a:tint val="75000"/>
@@ -2852,7 +2856,7 @@
           <a:p>
             <a:fld id="{E110B463-9257-4FB4-9566-5ADE85D69469}" type="datetimeFigureOut">
               <a:rPr kumimoji="1" lang="ja-JP" altLang="en-US" smtClean="0"/>
-              <a:t>2019/2/5</a:t>
+              <a:t>2019/2/6</a:t>
             </a:fld>
             <a:endParaRPr kumimoji="1" lang="ja-JP" altLang="en-US"/>
           </a:p>
@@ -2860,7 +2864,7 @@
       </p:sp>
       <p:sp>
         <p:nvSpPr>
-          <p:cNvPr id="5" name="フッター プレースホルダー 4"/>
+          <p:cNvPr id="5" name="Footer Placeholder 4"/>
           <p:cNvSpPr>
             <a:spLocks noGrp="1"/>
           </p:cNvSpPr>
@@ -2870,8 +2874,8 @@
         </p:nvSpPr>
         <p:spPr>
           <a:xfrm>
-            <a:off x="4038600" y="6356350"/>
-            <a:ext cx="4114800" cy="365125"/>
+            <a:off x="4038600" y="5672161"/>
+            <a:ext cx="4114800" cy="325823"/>
           </a:xfrm>
           <a:prstGeom prst="rect">
             <a:avLst/>
@@ -2881,7 +2885,7 @@
           <a:bodyPr vert="horz" lIns="91440" tIns="45720" rIns="91440" bIns="45720" rtlCol="0" anchor="ctr"/>
           <a:lstStyle>
             <a:lvl1pPr algn="ctr">
-              <a:defRPr sz="1200">
+              <a:defRPr sz="1071">
                 <a:solidFill>
                   <a:schemeClr val="tx1">
                     <a:tint val="75000"/>
@@ -2897,7 +2901,7 @@
       </p:sp>
       <p:sp>
         <p:nvSpPr>
-          <p:cNvPr id="6" name="スライド番号プレースホルダー 5"/>
+          <p:cNvPr id="6" name="Slide Number Placeholder 5"/>
           <p:cNvSpPr>
             <a:spLocks noGrp="1"/>
           </p:cNvSpPr>
@@ -2907,8 +2911,8 @@
         </p:nvSpPr>
         <p:spPr>
           <a:xfrm>
-            <a:off x="8610600" y="6356350"/>
-            <a:ext cx="2743200" cy="365125"/>
+            <a:off x="8610600" y="5672161"/>
+            <a:ext cx="2743200" cy="325823"/>
           </a:xfrm>
           <a:prstGeom prst="rect">
             <a:avLst/>
@@ -2918,7 +2922,7 @@
           <a:bodyPr vert="horz" lIns="91440" tIns="45720" rIns="91440" bIns="45720" rtlCol="0" anchor="ctr"/>
           <a:lstStyle>
             <a:lvl1pPr algn="r">
-              <a:defRPr sz="1200">
+              <a:defRPr sz="1071">
                 <a:solidFill>
                   <a:schemeClr val="tx1">
                     <a:tint val="75000"/>
@@ -2939,27 +2943,27 @@
     </p:spTree>
     <p:extLst>
       <p:ext uri="{BB962C8B-B14F-4D97-AF65-F5344CB8AC3E}">
-        <p14:creationId xmlns:p14="http://schemas.microsoft.com/office/powerpoint/2010/main" val="2018436577"/>
+        <p14:creationId xmlns:p14="http://schemas.microsoft.com/office/powerpoint/2010/main" val="3554228746"/>
       </p:ext>
     </p:extLst>
   </p:cSld>
   <p:clrMap bg1="lt1" tx1="dk1" bg2="lt2" tx2="dk2" accent1="accent1" accent2="accent2" accent3="accent3" accent4="accent4" accent5="accent5" accent6="accent6" hlink="hlink" folHlink="folHlink"/>
   <p:sldLayoutIdLst>
-    <p:sldLayoutId id="2147483649" r:id="rId1"/>
-    <p:sldLayoutId id="2147483650" r:id="rId2"/>
-    <p:sldLayoutId id="2147483651" r:id="rId3"/>
-    <p:sldLayoutId id="2147483652" r:id="rId4"/>
-    <p:sldLayoutId id="2147483653" r:id="rId5"/>
-    <p:sldLayoutId id="2147483654" r:id="rId6"/>
-    <p:sldLayoutId id="2147483655" r:id="rId7"/>
-    <p:sldLayoutId id="2147483656" r:id="rId8"/>
-    <p:sldLayoutId id="2147483657" r:id="rId9"/>
-    <p:sldLayoutId id="2147483658" r:id="rId10"/>
-    <p:sldLayoutId id="2147483659" r:id="rId11"/>
+    <p:sldLayoutId id="2147483673" r:id="rId1"/>
+    <p:sldLayoutId id="2147483674" r:id="rId2"/>
+    <p:sldLayoutId id="2147483675" r:id="rId3"/>
+    <p:sldLayoutId id="2147483676" r:id="rId4"/>
+    <p:sldLayoutId id="2147483677" r:id="rId5"/>
+    <p:sldLayoutId id="2147483678" r:id="rId6"/>
+    <p:sldLayoutId id="2147483679" r:id="rId7"/>
+    <p:sldLayoutId id="2147483680" r:id="rId8"/>
+    <p:sldLayoutId id="2147483681" r:id="rId9"/>
+    <p:sldLayoutId id="2147483682" r:id="rId10"/>
+    <p:sldLayoutId id="2147483683" r:id="rId11"/>
   </p:sldLayoutIdLst>
   <p:txStyles>
     <p:titleStyle>
-      <a:lvl1pPr algn="l" defTabSz="914400" rtl="0" eaLnBrk="1" latinLnBrk="0" hangingPunct="1">
+      <a:lvl1pPr algn="l" defTabSz="816011" rtl="0" eaLnBrk="1" latinLnBrk="0" hangingPunct="1">
         <a:lnSpc>
           <a:spcPct val="90000"/>
         </a:lnSpc>
@@ -2967,7 +2971,7 @@
           <a:spcPct val="0"/>
         </a:spcBef>
         <a:buNone/>
-        <a:defRPr kumimoji="1" sz="4400" kern="1200">
+        <a:defRPr kumimoji="1" sz="3927" kern="1200">
           <a:solidFill>
             <a:schemeClr val="tx1"/>
           </a:solidFill>
@@ -2978,16 +2982,16 @@
       </a:lvl1pPr>
     </p:titleStyle>
     <p:bodyStyle>
-      <a:lvl1pPr marL="228600" indent="-228600" algn="l" defTabSz="914400" rtl="0" eaLnBrk="1" latinLnBrk="0" hangingPunct="1">
+      <a:lvl1pPr marL="204003" indent="-204003" algn="l" defTabSz="816011" rtl="0" eaLnBrk="1" latinLnBrk="0" hangingPunct="1">
         <a:lnSpc>
           <a:spcPct val="90000"/>
         </a:lnSpc>
         <a:spcBef>
-          <a:spcPts val="1000"/>
+          <a:spcPts val="892"/>
         </a:spcBef>
         <a:buFont typeface="Arial" panose="020B0604020202020204" pitchFamily="34" charset="0"/>
         <a:buChar char="•"/>
-        <a:defRPr kumimoji="1" sz="2800" kern="1200">
+        <a:defRPr kumimoji="1" sz="2499" kern="1200">
           <a:solidFill>
             <a:schemeClr val="tx1"/>
           </a:solidFill>
@@ -2996,16 +3000,16 @@
           <a:cs typeface="+mn-cs"/>
         </a:defRPr>
       </a:lvl1pPr>
-      <a:lvl2pPr marL="685800" indent="-228600" algn="l" defTabSz="914400" rtl="0" eaLnBrk="1" latinLnBrk="0" hangingPunct="1">
+      <a:lvl2pPr marL="612008" indent="-204003" algn="l" defTabSz="816011" rtl="0" eaLnBrk="1" latinLnBrk="0" hangingPunct="1">
         <a:lnSpc>
           <a:spcPct val="90000"/>
         </a:lnSpc>
         <a:spcBef>
-          <a:spcPts val="500"/>
+          <a:spcPts val="446"/>
         </a:spcBef>
         <a:buFont typeface="Arial" panose="020B0604020202020204" pitchFamily="34" charset="0"/>
         <a:buChar char="•"/>
-        <a:defRPr kumimoji="1" sz="2400" kern="1200">
+        <a:defRPr kumimoji="1" sz="2142" kern="1200">
           <a:solidFill>
             <a:schemeClr val="tx1"/>
           </a:solidFill>
@@ -3014,16 +3018,16 @@
           <a:cs typeface="+mn-cs"/>
         </a:defRPr>
       </a:lvl2pPr>
-      <a:lvl3pPr marL="1143000" indent="-228600" algn="l" defTabSz="914400" rtl="0" eaLnBrk="1" latinLnBrk="0" hangingPunct="1">
+      <a:lvl3pPr marL="1020013" indent="-204003" algn="l" defTabSz="816011" rtl="0" eaLnBrk="1" latinLnBrk="0" hangingPunct="1">
         <a:lnSpc>
           <a:spcPct val="90000"/>
         </a:lnSpc>
         <a:spcBef>
-          <a:spcPts val="500"/>
+          <a:spcPts val="446"/>
         </a:spcBef>
         <a:buFont typeface="Arial" panose="020B0604020202020204" pitchFamily="34" charset="0"/>
         <a:buChar char="•"/>
-        <a:defRPr kumimoji="1" sz="2000" kern="1200">
+        <a:defRPr kumimoji="1" sz="1785" kern="1200">
           <a:solidFill>
             <a:schemeClr val="tx1"/>
           </a:solidFill>
@@ -3032,16 +3036,16 @@
           <a:cs typeface="+mn-cs"/>
         </a:defRPr>
       </a:lvl3pPr>
-      <a:lvl4pPr marL="1600200" indent="-228600" algn="l" defTabSz="914400" rtl="0" eaLnBrk="1" latinLnBrk="0" hangingPunct="1">
+      <a:lvl4pPr marL="1428018" indent="-204003" algn="l" defTabSz="816011" rtl="0" eaLnBrk="1" latinLnBrk="0" hangingPunct="1">
         <a:lnSpc>
           <a:spcPct val="90000"/>
         </a:lnSpc>
         <a:spcBef>
-          <a:spcPts val="500"/>
+          <a:spcPts val="446"/>
         </a:spcBef>
         <a:buFont typeface="Arial" panose="020B0604020202020204" pitchFamily="34" charset="0"/>
         <a:buChar char="•"/>
-        <a:defRPr kumimoji="1" sz="1800" kern="1200">
+        <a:defRPr kumimoji="1" sz="1606" kern="1200">
           <a:solidFill>
             <a:schemeClr val="tx1"/>
           </a:solidFill>
@@ -3050,16 +3054,16 @@
           <a:cs typeface="+mn-cs"/>
         </a:defRPr>
       </a:lvl4pPr>
-      <a:lvl5pPr marL="2057400" indent="-228600" algn="l" defTabSz="914400" rtl="0" eaLnBrk="1" latinLnBrk="0" hangingPunct="1">
+      <a:lvl5pPr marL="1836024" indent="-204003" algn="l" defTabSz="816011" rtl="0" eaLnBrk="1" latinLnBrk="0" hangingPunct="1">
         <a:lnSpc>
           <a:spcPct val="90000"/>
         </a:lnSpc>
         <a:spcBef>
-          <a:spcPts val="500"/>
+          <a:spcPts val="446"/>
         </a:spcBef>
         <a:buFont typeface="Arial" panose="020B0604020202020204" pitchFamily="34" charset="0"/>
         <a:buChar char="•"/>
-        <a:defRPr kumimoji="1" sz="1800" kern="1200">
+        <a:defRPr kumimoji="1" sz="1606" kern="1200">
           <a:solidFill>
             <a:schemeClr val="tx1"/>
           </a:solidFill>
@@ -3068,16 +3072,16 @@
           <a:cs typeface="+mn-cs"/>
         </a:defRPr>
       </a:lvl5pPr>
-      <a:lvl6pPr marL="2514600" indent="-228600" algn="l" defTabSz="914400" rtl="0" eaLnBrk="1" latinLnBrk="0" hangingPunct="1">
+      <a:lvl6pPr marL="2244029" indent="-204003" algn="l" defTabSz="816011" rtl="0" eaLnBrk="1" latinLnBrk="0" hangingPunct="1">
         <a:lnSpc>
           <a:spcPct val="90000"/>
         </a:lnSpc>
         <a:spcBef>
-          <a:spcPts val="500"/>
+          <a:spcPts val="446"/>
         </a:spcBef>
         <a:buFont typeface="Arial" panose="020B0604020202020204" pitchFamily="34" charset="0"/>
         <a:buChar char="•"/>
-        <a:defRPr kumimoji="1" sz="1800" kern="1200">
+        <a:defRPr kumimoji="1" sz="1606" kern="1200">
           <a:solidFill>
             <a:schemeClr val="tx1"/>
           </a:solidFill>
@@ -3086,16 +3090,16 @@
           <a:cs typeface="+mn-cs"/>
         </a:defRPr>
       </a:lvl6pPr>
-      <a:lvl7pPr marL="2971800" indent="-228600" algn="l" defTabSz="914400" rtl="0" eaLnBrk="1" latinLnBrk="0" hangingPunct="1">
+      <a:lvl7pPr marL="2652034" indent="-204003" algn="l" defTabSz="816011" rtl="0" eaLnBrk="1" latinLnBrk="0" hangingPunct="1">
         <a:lnSpc>
           <a:spcPct val="90000"/>
         </a:lnSpc>
         <a:spcBef>
-          <a:spcPts val="500"/>
+          <a:spcPts val="446"/>
         </a:spcBef>
         <a:buFont typeface="Arial" panose="020B0604020202020204" pitchFamily="34" charset="0"/>
         <a:buChar char="•"/>
-        <a:defRPr kumimoji="1" sz="1800" kern="1200">
+        <a:defRPr kumimoji="1" sz="1606" kern="1200">
           <a:solidFill>
             <a:schemeClr val="tx1"/>
           </a:solidFill>
@@ -3104,16 +3108,16 @@
           <a:cs typeface="+mn-cs"/>
         </a:defRPr>
       </a:lvl7pPr>
-      <a:lvl8pPr marL="3429000" indent="-228600" algn="l" defTabSz="914400" rtl="0" eaLnBrk="1" latinLnBrk="0" hangingPunct="1">
+      <a:lvl8pPr marL="3060040" indent="-204003" algn="l" defTabSz="816011" rtl="0" eaLnBrk="1" latinLnBrk="0" hangingPunct="1">
         <a:lnSpc>
           <a:spcPct val="90000"/>
         </a:lnSpc>
         <a:spcBef>
-          <a:spcPts val="500"/>
+          <a:spcPts val="446"/>
         </a:spcBef>
         <a:buFont typeface="Arial" panose="020B0604020202020204" pitchFamily="34" charset="0"/>
         <a:buChar char="•"/>
-        <a:defRPr kumimoji="1" sz="1800" kern="1200">
+        <a:defRPr kumimoji="1" sz="1606" kern="1200">
           <a:solidFill>
             <a:schemeClr val="tx1"/>
           </a:solidFill>
@@ -3122,16 +3126,16 @@
           <a:cs typeface="+mn-cs"/>
         </a:defRPr>
       </a:lvl8pPr>
-      <a:lvl9pPr marL="3886200" indent="-228600" algn="l" defTabSz="914400" rtl="0" eaLnBrk="1" latinLnBrk="0" hangingPunct="1">
+      <a:lvl9pPr marL="3468045" indent="-204003" algn="l" defTabSz="816011" rtl="0" eaLnBrk="1" latinLnBrk="0" hangingPunct="1">
         <a:lnSpc>
           <a:spcPct val="90000"/>
         </a:lnSpc>
         <a:spcBef>
-          <a:spcPts val="500"/>
+          <a:spcPts val="446"/>
         </a:spcBef>
         <a:buFont typeface="Arial" panose="020B0604020202020204" pitchFamily="34" charset="0"/>
         <a:buChar char="•"/>
-        <a:defRPr kumimoji="1" sz="1800" kern="1200">
+        <a:defRPr kumimoji="1" sz="1606" kern="1200">
           <a:solidFill>
             <a:schemeClr val="tx1"/>
           </a:solidFill>
@@ -3143,10 +3147,10 @@
     </p:bodyStyle>
     <p:otherStyle>
       <a:defPPr>
-        <a:defRPr lang="ja-JP"/>
+        <a:defRPr lang="en-US"/>
       </a:defPPr>
-      <a:lvl1pPr marL="0" algn="l" defTabSz="914400" rtl="0" eaLnBrk="1" latinLnBrk="0" hangingPunct="1">
-        <a:defRPr kumimoji="1" sz="1800" kern="1200">
+      <a:lvl1pPr marL="0" algn="l" defTabSz="816011" rtl="0" eaLnBrk="1" latinLnBrk="0" hangingPunct="1">
+        <a:defRPr kumimoji="1" sz="1606" kern="1200">
           <a:solidFill>
             <a:schemeClr val="tx1"/>
           </a:solidFill>
@@ -3155,8 +3159,8 @@
           <a:cs typeface="+mn-cs"/>
         </a:defRPr>
       </a:lvl1pPr>
-      <a:lvl2pPr marL="457200" algn="l" defTabSz="914400" rtl="0" eaLnBrk="1" latinLnBrk="0" hangingPunct="1">
-        <a:defRPr kumimoji="1" sz="1800" kern="1200">
+      <a:lvl2pPr marL="408005" algn="l" defTabSz="816011" rtl="0" eaLnBrk="1" latinLnBrk="0" hangingPunct="1">
+        <a:defRPr kumimoji="1" sz="1606" kern="1200">
           <a:solidFill>
             <a:schemeClr val="tx1"/>
           </a:solidFill>
@@ -3165,8 +3169,8 @@
           <a:cs typeface="+mn-cs"/>
         </a:defRPr>
       </a:lvl2pPr>
-      <a:lvl3pPr marL="914400" algn="l" defTabSz="914400" rtl="0" eaLnBrk="1" latinLnBrk="0" hangingPunct="1">
-        <a:defRPr kumimoji="1" sz="1800" kern="1200">
+      <a:lvl3pPr marL="816011" algn="l" defTabSz="816011" rtl="0" eaLnBrk="1" latinLnBrk="0" hangingPunct="1">
+        <a:defRPr kumimoji="1" sz="1606" kern="1200">
           <a:solidFill>
             <a:schemeClr val="tx1"/>
           </a:solidFill>
@@ -3175,8 +3179,8 @@
           <a:cs typeface="+mn-cs"/>
         </a:defRPr>
       </a:lvl3pPr>
-      <a:lvl4pPr marL="1371600" algn="l" defTabSz="914400" rtl="0" eaLnBrk="1" latinLnBrk="0" hangingPunct="1">
-        <a:defRPr kumimoji="1" sz="1800" kern="1200">
+      <a:lvl4pPr marL="1224016" algn="l" defTabSz="816011" rtl="0" eaLnBrk="1" latinLnBrk="0" hangingPunct="1">
+        <a:defRPr kumimoji="1" sz="1606" kern="1200">
           <a:solidFill>
             <a:schemeClr val="tx1"/>
           </a:solidFill>
@@ -3185,8 +3189,8 @@
           <a:cs typeface="+mn-cs"/>
         </a:defRPr>
       </a:lvl4pPr>
-      <a:lvl5pPr marL="1828800" algn="l" defTabSz="914400" rtl="0" eaLnBrk="1" latinLnBrk="0" hangingPunct="1">
-        <a:defRPr kumimoji="1" sz="1800" kern="1200">
+      <a:lvl5pPr marL="1632021" algn="l" defTabSz="816011" rtl="0" eaLnBrk="1" latinLnBrk="0" hangingPunct="1">
+        <a:defRPr kumimoji="1" sz="1606" kern="1200">
           <a:solidFill>
             <a:schemeClr val="tx1"/>
           </a:solidFill>
@@ -3195,8 +3199,8 @@
           <a:cs typeface="+mn-cs"/>
         </a:defRPr>
       </a:lvl5pPr>
-      <a:lvl6pPr marL="2286000" algn="l" defTabSz="914400" rtl="0" eaLnBrk="1" latinLnBrk="0" hangingPunct="1">
-        <a:defRPr kumimoji="1" sz="1800" kern="1200">
+      <a:lvl6pPr marL="2040026" algn="l" defTabSz="816011" rtl="0" eaLnBrk="1" latinLnBrk="0" hangingPunct="1">
+        <a:defRPr kumimoji="1" sz="1606" kern="1200">
           <a:solidFill>
             <a:schemeClr val="tx1"/>
           </a:solidFill>
@@ -3205,8 +3209,8 @@
           <a:cs typeface="+mn-cs"/>
         </a:defRPr>
       </a:lvl6pPr>
-      <a:lvl7pPr marL="2743200" algn="l" defTabSz="914400" rtl="0" eaLnBrk="1" latinLnBrk="0" hangingPunct="1">
-        <a:defRPr kumimoji="1" sz="1800" kern="1200">
+      <a:lvl7pPr marL="2448032" algn="l" defTabSz="816011" rtl="0" eaLnBrk="1" latinLnBrk="0" hangingPunct="1">
+        <a:defRPr kumimoji="1" sz="1606" kern="1200">
           <a:solidFill>
             <a:schemeClr val="tx1"/>
           </a:solidFill>
@@ -3215,8 +3219,8 @@
           <a:cs typeface="+mn-cs"/>
         </a:defRPr>
       </a:lvl7pPr>
-      <a:lvl8pPr marL="3200400" algn="l" defTabSz="914400" rtl="0" eaLnBrk="1" latinLnBrk="0" hangingPunct="1">
-        <a:defRPr kumimoji="1" sz="1800" kern="1200">
+      <a:lvl8pPr marL="2856037" algn="l" defTabSz="816011" rtl="0" eaLnBrk="1" latinLnBrk="0" hangingPunct="1">
+        <a:defRPr kumimoji="1" sz="1606" kern="1200">
           <a:solidFill>
             <a:schemeClr val="tx1"/>
           </a:solidFill>
@@ -3225,8 +3229,8 @@
           <a:cs typeface="+mn-cs"/>
         </a:defRPr>
       </a:lvl8pPr>
-      <a:lvl9pPr marL="3657600" algn="l" defTabSz="914400" rtl="0" eaLnBrk="1" latinLnBrk="0" hangingPunct="1">
-        <a:defRPr kumimoji="1" sz="1800" kern="1200">
+      <a:lvl9pPr marL="3264042" algn="l" defTabSz="816011" rtl="0" eaLnBrk="1" latinLnBrk="0" hangingPunct="1">
+        <a:defRPr kumimoji="1" sz="1606" kern="1200">
           <a:solidFill>
             <a:schemeClr val="tx1"/>
           </a:solidFill>
@@ -3262,7 +3266,7 @@
           <p:cNvPr id="4" name="コンテンツ プレースホルダー 4">
             <a:extLst>
               <a:ext uri="{FF2B5EF4-FFF2-40B4-BE49-F238E27FC236}">
-                <a16:creationId xmlns:a16="http://schemas.microsoft.com/office/drawing/2014/main" xmlns="" id="{D3784726-FDED-47C7-9692-CF04F5DA7E0B}"/>
+                <a16:creationId xmlns="" xmlns:a16="http://schemas.microsoft.com/office/drawing/2014/main" id="{D3784726-FDED-47C7-9692-CF04F5DA7E0B}"/>
               </a:ext>
             </a:extLst>
           </p:cNvPr>
@@ -3272,13 +3276,13 @@
           <p:nvPr>
             <p:extLst>
               <p:ext uri="{D42A27DB-BD31-4B8C-83A1-F6EECF244321}">
-                <p14:modId xmlns:p14="http://schemas.microsoft.com/office/powerpoint/2010/main" val="1156988469"/>
+                <p14:modId xmlns:p14="http://schemas.microsoft.com/office/powerpoint/2010/main" val="311627830"/>
               </p:ext>
             </p:extLst>
           </p:nvPr>
         </p:nvGraphicFramePr>
         <p:xfrm>
-          <a:off x="1522477" y="640746"/>
+          <a:off x="1522479" y="722756"/>
           <a:ext cx="9840519" cy="4628658"/>
         </p:xfrm>
         <a:graphic>
@@ -3291,105 +3295,105 @@
                 <a:gridCol w="468596">
                   <a:extLst>
                     <a:ext uri="{9D8B030D-6E8A-4147-A177-3AD203B41FA5}">
-                      <a16:colId xmlns:a16="http://schemas.microsoft.com/office/drawing/2014/main" xmlns="" val="223408334"/>
+                      <a16:colId xmlns="" xmlns:a16="http://schemas.microsoft.com/office/drawing/2014/main" val="223408334"/>
                     </a:ext>
                   </a:extLst>
                 </a:gridCol>
                 <a:gridCol w="468596">
                   <a:extLst>
                     <a:ext uri="{9D8B030D-6E8A-4147-A177-3AD203B41FA5}">
-                      <a16:colId xmlns:a16="http://schemas.microsoft.com/office/drawing/2014/main" xmlns="" val="4242438457"/>
+                      <a16:colId xmlns="" xmlns:a16="http://schemas.microsoft.com/office/drawing/2014/main" val="4242438457"/>
                     </a:ext>
                   </a:extLst>
                 </a:gridCol>
                 <a:gridCol w="468596">
                   <a:extLst>
                     <a:ext uri="{9D8B030D-6E8A-4147-A177-3AD203B41FA5}">
-                      <a16:colId xmlns:a16="http://schemas.microsoft.com/office/drawing/2014/main" xmlns="" val="3518119429"/>
+                      <a16:colId xmlns="" xmlns:a16="http://schemas.microsoft.com/office/drawing/2014/main" val="3518119429"/>
                     </a:ext>
                   </a:extLst>
                 </a:gridCol>
                 <a:gridCol w="468596">
                   <a:extLst>
                     <a:ext uri="{9D8B030D-6E8A-4147-A177-3AD203B41FA5}">
-                      <a16:colId xmlns:a16="http://schemas.microsoft.com/office/drawing/2014/main" xmlns="" val="3248474512"/>
+                      <a16:colId xmlns="" xmlns:a16="http://schemas.microsoft.com/office/drawing/2014/main" val="3248474512"/>
                     </a:ext>
                   </a:extLst>
                 </a:gridCol>
                 <a:gridCol w="468596">
                   <a:extLst>
                     <a:ext uri="{9D8B030D-6E8A-4147-A177-3AD203B41FA5}">
-                      <a16:colId xmlns:a16="http://schemas.microsoft.com/office/drawing/2014/main" xmlns="" val="3592663679"/>
+                      <a16:colId xmlns="" xmlns:a16="http://schemas.microsoft.com/office/drawing/2014/main" val="3592663679"/>
                     </a:ext>
                   </a:extLst>
                 </a:gridCol>
                 <a:gridCol w="468596">
                   <a:extLst>
                     <a:ext uri="{9D8B030D-6E8A-4147-A177-3AD203B41FA5}">
-                      <a16:colId xmlns:a16="http://schemas.microsoft.com/office/drawing/2014/main" xmlns="" val="256981116"/>
+                      <a16:colId xmlns="" xmlns:a16="http://schemas.microsoft.com/office/drawing/2014/main" val="256981116"/>
                     </a:ext>
                   </a:extLst>
                 </a:gridCol>
                 <a:gridCol w="2342982">
                   <a:extLst>
                     <a:ext uri="{9D8B030D-6E8A-4147-A177-3AD203B41FA5}">
-                      <a16:colId xmlns:a16="http://schemas.microsoft.com/office/drawing/2014/main" xmlns="" val="3423683791"/>
+                      <a16:colId xmlns="" xmlns:a16="http://schemas.microsoft.com/office/drawing/2014/main" val="3423683791"/>
                     </a:ext>
                   </a:extLst>
                 </a:gridCol>
                 <a:gridCol w="468596">
                   <a:extLst>
                     <a:ext uri="{9D8B030D-6E8A-4147-A177-3AD203B41FA5}">
-                      <a16:colId xmlns:a16="http://schemas.microsoft.com/office/drawing/2014/main" xmlns="" val="4005411223"/>
+                      <a16:colId xmlns="" xmlns:a16="http://schemas.microsoft.com/office/drawing/2014/main" val="4005411223"/>
                     </a:ext>
                   </a:extLst>
                 </a:gridCol>
                 <a:gridCol w="468596">
                   <a:extLst>
                     <a:ext uri="{9D8B030D-6E8A-4147-A177-3AD203B41FA5}">
-                      <a16:colId xmlns:a16="http://schemas.microsoft.com/office/drawing/2014/main" xmlns="" val="874284015"/>
+                      <a16:colId xmlns="" xmlns:a16="http://schemas.microsoft.com/office/drawing/2014/main" val="874284015"/>
                     </a:ext>
                   </a:extLst>
                 </a:gridCol>
                 <a:gridCol w="468596">
                   <a:extLst>
                     <a:ext uri="{9D8B030D-6E8A-4147-A177-3AD203B41FA5}">
-                      <a16:colId xmlns:a16="http://schemas.microsoft.com/office/drawing/2014/main" xmlns="" val="82309556"/>
+                      <a16:colId xmlns="" xmlns:a16="http://schemas.microsoft.com/office/drawing/2014/main" val="82309556"/>
                     </a:ext>
                   </a:extLst>
                 </a:gridCol>
                 <a:gridCol w="468596">
                   <a:extLst>
                     <a:ext uri="{9D8B030D-6E8A-4147-A177-3AD203B41FA5}">
-                      <a16:colId xmlns:a16="http://schemas.microsoft.com/office/drawing/2014/main" xmlns="" val="3444872963"/>
+                      <a16:colId xmlns="" xmlns:a16="http://schemas.microsoft.com/office/drawing/2014/main" val="3444872963"/>
                     </a:ext>
                   </a:extLst>
                 </a:gridCol>
                 <a:gridCol w="468596">
                   <a:extLst>
                     <a:ext uri="{9D8B030D-6E8A-4147-A177-3AD203B41FA5}">
-                      <a16:colId xmlns:a16="http://schemas.microsoft.com/office/drawing/2014/main" xmlns="" val="3806575330"/>
+                      <a16:colId xmlns="" xmlns:a16="http://schemas.microsoft.com/office/drawing/2014/main" val="3806575330"/>
                     </a:ext>
                   </a:extLst>
                 </a:gridCol>
                 <a:gridCol w="468596">
                   <a:extLst>
                     <a:ext uri="{9D8B030D-6E8A-4147-A177-3AD203B41FA5}">
-                      <a16:colId xmlns:a16="http://schemas.microsoft.com/office/drawing/2014/main" xmlns="" val="3592094554"/>
+                      <a16:colId xmlns="" xmlns:a16="http://schemas.microsoft.com/office/drawing/2014/main" val="3592094554"/>
                     </a:ext>
                   </a:extLst>
                 </a:gridCol>
                 <a:gridCol w="468596">
                   <a:extLst>
                     <a:ext uri="{9D8B030D-6E8A-4147-A177-3AD203B41FA5}">
-                      <a16:colId xmlns:a16="http://schemas.microsoft.com/office/drawing/2014/main" xmlns="" val="143460270"/>
+                      <a16:colId xmlns="" xmlns:a16="http://schemas.microsoft.com/office/drawing/2014/main" val="143460270"/>
                     </a:ext>
                   </a:extLst>
                 </a:gridCol>
                 <a:gridCol w="1405789">
                   <a:extLst>
                     <a:ext uri="{9D8B030D-6E8A-4147-A177-3AD203B41FA5}">
-                      <a16:colId xmlns:a16="http://schemas.microsoft.com/office/drawing/2014/main" xmlns="" val="3911110839"/>
+                      <a16:colId xmlns="" xmlns:a16="http://schemas.microsoft.com/office/drawing/2014/main" val="3911110839"/>
                     </a:ext>
                   </a:extLst>
                 </a:gridCol>
@@ -4280,7 +4284,7 @@
                 </a:tc>
                 <a:extLst>
                   <a:ext uri="{0D108BD9-81ED-4DB2-BD59-A6C34878D82A}">
-                    <a16:rowId xmlns:a16="http://schemas.microsoft.com/office/drawing/2014/main" xmlns="" val="3364796481"/>
+                    <a16:rowId xmlns="" xmlns:a16="http://schemas.microsoft.com/office/drawing/2014/main" val="3364796481"/>
                   </a:ext>
                 </a:extLst>
               </a:tr>
@@ -5027,7 +5031,7 @@
                 </a:tc>
                 <a:extLst>
                   <a:ext uri="{0D108BD9-81ED-4DB2-BD59-A6C34878D82A}">
-                    <a16:rowId xmlns:a16="http://schemas.microsoft.com/office/drawing/2014/main" xmlns="" val="1439861688"/>
+                    <a16:rowId xmlns="" xmlns:a16="http://schemas.microsoft.com/office/drawing/2014/main" val="1439861688"/>
                   </a:ext>
                 </a:extLst>
               </a:tr>
@@ -5782,7 +5786,7 @@
                 </a:tc>
                 <a:extLst>
                   <a:ext uri="{0D108BD9-81ED-4DB2-BD59-A6C34878D82A}">
-                    <a16:rowId xmlns:a16="http://schemas.microsoft.com/office/drawing/2014/main" xmlns="" val="381575397"/>
+                    <a16:rowId xmlns="" xmlns:a16="http://schemas.microsoft.com/office/drawing/2014/main" val="381575397"/>
                   </a:ext>
                 </a:extLst>
               </a:tr>
@@ -6650,7 +6654,7 @@
                 </a:tc>
                 <a:extLst>
                   <a:ext uri="{0D108BD9-81ED-4DB2-BD59-A6C34878D82A}">
-                    <a16:rowId xmlns:a16="http://schemas.microsoft.com/office/drawing/2014/main" xmlns="" val="2447058420"/>
+                    <a16:rowId xmlns="" xmlns:a16="http://schemas.microsoft.com/office/drawing/2014/main" val="2447058420"/>
                   </a:ext>
                 </a:extLst>
               </a:tr>
@@ -7397,7 +7401,7 @@
                 </a:tc>
                 <a:extLst>
                   <a:ext uri="{0D108BD9-81ED-4DB2-BD59-A6C34878D82A}">
-                    <a16:rowId xmlns:a16="http://schemas.microsoft.com/office/drawing/2014/main" xmlns="" val="3373042322"/>
+                    <a16:rowId xmlns="" xmlns:a16="http://schemas.microsoft.com/office/drawing/2014/main" val="3373042322"/>
                   </a:ext>
                 </a:extLst>
               </a:tr>
@@ -8125,7 +8129,7 @@
                 </a:tc>
                 <a:extLst>
                   <a:ext uri="{0D108BD9-81ED-4DB2-BD59-A6C34878D82A}">
-                    <a16:rowId xmlns:a16="http://schemas.microsoft.com/office/drawing/2014/main" xmlns="" val="2750194584"/>
+                    <a16:rowId xmlns="" xmlns:a16="http://schemas.microsoft.com/office/drawing/2014/main" val="2750194584"/>
                   </a:ext>
                 </a:extLst>
               </a:tr>
@@ -8989,7 +8993,7 @@
                 </a:tc>
                 <a:extLst>
                   <a:ext uri="{0D108BD9-81ED-4DB2-BD59-A6C34878D82A}">
-                    <a16:rowId xmlns:a16="http://schemas.microsoft.com/office/drawing/2014/main" xmlns="" val="4167373581"/>
+                    <a16:rowId xmlns="" xmlns:a16="http://schemas.microsoft.com/office/drawing/2014/main" val="4167373581"/>
                   </a:ext>
                 </a:extLst>
               </a:tr>
@@ -9736,7 +9740,7 @@
                 </a:tc>
                 <a:extLst>
                   <a:ext uri="{0D108BD9-81ED-4DB2-BD59-A6C34878D82A}">
-                    <a16:rowId xmlns:a16="http://schemas.microsoft.com/office/drawing/2014/main" xmlns="" val="1186304009"/>
+                    <a16:rowId xmlns="" xmlns:a16="http://schemas.microsoft.com/office/drawing/2014/main" val="1186304009"/>
                   </a:ext>
                 </a:extLst>
               </a:tr>
@@ -9749,7 +9753,7 @@
           <p:cNvPr id="2269" name="左中かっこ 2268">
             <a:extLst>
               <a:ext uri="{FF2B5EF4-FFF2-40B4-BE49-F238E27FC236}">
-                <a16:creationId xmlns:a16="http://schemas.microsoft.com/office/drawing/2014/main" xmlns="" id="{7484E61E-C510-4FF0-978A-471330A22C3C}"/>
+                <a16:creationId xmlns="" xmlns:a16="http://schemas.microsoft.com/office/drawing/2014/main" id="{7484E61E-C510-4FF0-978A-471330A22C3C}"/>
               </a:ext>
             </a:extLst>
           </p:cNvPr>
@@ -9758,7 +9762,7 @@
         </p:nvSpPr>
         <p:spPr>
           <a:xfrm rot="5400000">
-            <a:off x="2175248" y="350315"/>
+            <a:off x="2175248" y="432327"/>
             <a:ext cx="116052" cy="457727"/>
           </a:xfrm>
           <a:prstGeom prst="leftBrace">
@@ -9797,7 +9801,7 @@
           <a:lstStyle/>
           <a:p>
             <a:pPr algn="ctr"/>
-            <a:endParaRPr kumimoji="1" lang="ja-JP" altLang="en-US"/>
+            <a:endParaRPr lang="ja-JP" altLang="en-US"/>
           </a:p>
         </p:txBody>
       </p:sp>
@@ -9806,7 +9810,7 @@
           <p:cNvPr id="2270" name="左中かっこ 2269">
             <a:extLst>
               <a:ext uri="{FF2B5EF4-FFF2-40B4-BE49-F238E27FC236}">
-                <a16:creationId xmlns:a16="http://schemas.microsoft.com/office/drawing/2014/main" xmlns="" id="{7484E61E-C510-4FF0-978A-471330A22C3C}"/>
+                <a16:creationId xmlns="" xmlns:a16="http://schemas.microsoft.com/office/drawing/2014/main" id="{7484E61E-C510-4FF0-978A-471330A22C3C}"/>
               </a:ext>
             </a:extLst>
           </p:cNvPr>
@@ -9815,7 +9819,7 @@
         </p:nvSpPr>
         <p:spPr>
           <a:xfrm>
-            <a:off x="1387930" y="3696312"/>
+            <a:off x="1387934" y="3778326"/>
             <a:ext cx="138417" cy="317297"/>
           </a:xfrm>
           <a:prstGeom prst="leftBrace">
@@ -9854,18 +9858,18 @@
           <a:lstStyle/>
           <a:p>
             <a:pPr algn="ctr"/>
-            <a:endParaRPr kumimoji="1" lang="ja-JP" altLang="en-US"/>
+            <a:endParaRPr lang="ja-JP" altLang="en-US"/>
           </a:p>
         </p:txBody>
       </p:sp>
-      <mc:AlternateContent xmlns:mc="http://schemas.openxmlformats.org/markup-compatibility/2006" xmlns:a14="http://schemas.microsoft.com/office/drawing/2010/main">
-        <mc:Choice Requires="a14">
+      <mc:AlternateContent xmlns:mc="http://schemas.openxmlformats.org/markup-compatibility/2006">
+        <mc:Choice xmlns:a14="http://schemas.microsoft.com/office/drawing/2010/main" Requires="a14">
           <p:sp>
             <p:nvSpPr>
               <p:cNvPr id="2271" name="テキスト ボックス 2270">
                 <a:extLst>
                   <a:ext uri="{FF2B5EF4-FFF2-40B4-BE49-F238E27FC236}">
-                    <a16:creationId xmlns:a16="http://schemas.microsoft.com/office/drawing/2014/main" xmlns="" id="{6DAFFFD6-997E-4295-8337-371E646493AD}"/>
+                    <a16:creationId xmlns="" xmlns:a16="http://schemas.microsoft.com/office/drawing/2014/main" id="{6DAFFFD6-997E-4295-8337-371E646493AD}"/>
                   </a:ext>
                 </a:extLst>
               </p:cNvPr>
@@ -9874,7 +9878,7 @@
             </p:nvSpPr>
             <p:spPr>
               <a:xfrm>
-                <a:off x="780356" y="3588481"/>
+                <a:off x="780356" y="3670491"/>
                 <a:ext cx="434118" cy="523220"/>
               </a:xfrm>
               <a:prstGeom prst="rect">
@@ -9896,13 +9900,13 @@
                     </m:oMathParaPr>
                     <m:oMath xmlns:m="http://schemas.openxmlformats.org/officeDocument/2006/math">
                       <m:r>
-                        <a:rPr kumimoji="1" lang="en-US" altLang="ja-JP" sz="2800" b="0" i="1" smtClean="0">
+                        <a:rPr lang="en-US" altLang="ja-JP" sz="2800" i="1">
                           <a:latin typeface="Cambria Math" panose="02040503050406030204" pitchFamily="18" charset="0"/>
                         </a:rPr>
                         <m:t>2</m:t>
                       </m:r>
                       <m:r>
-                        <a:rPr kumimoji="1" lang="en-US" altLang="ja-JP" sz="2800" b="0" i="1" smtClean="0">
+                        <a:rPr lang="en-US" altLang="ja-JP" sz="2800" i="1">
                           <a:latin typeface="Cambria Math" panose="02040503050406030204" pitchFamily="18" charset="0"/>
                         </a:rPr>
                         <m:t>𝑡</m:t>
@@ -9910,18 +9914,18 @@
                     </m:oMath>
                   </m:oMathPara>
                 </a14:m>
-                <a:endParaRPr kumimoji="1" lang="en-US" altLang="ja-JP" sz="2800" b="0" dirty="0"/>
+                <a:endParaRPr lang="en-US" altLang="ja-JP" sz="2800" dirty="0"/>
               </a:p>
             </p:txBody>
           </p:sp>
         </mc:Choice>
-        <mc:Fallback xmlns="">
+        <mc:Fallback>
           <p:sp>
             <p:nvSpPr>
               <p:cNvPr id="2271" name="テキスト ボックス 2270">
                 <a:extLst>
                   <a:ext uri="{FF2B5EF4-FFF2-40B4-BE49-F238E27FC236}">
-                    <a16:creationId xmlns:a16="http://schemas.microsoft.com/office/drawing/2014/main" xmlns="" xmlns:a14="http://schemas.microsoft.com/office/drawing/2010/main" id="{6DAFFFD6-997E-4295-8337-371E646493AD}"/>
+                    <a16:creationId xmlns="" xmlns:a16="http://schemas.microsoft.com/office/drawing/2014/main" xmlns:a14="http://schemas.microsoft.com/office/drawing/2010/main" id="{6DAFFFD6-997E-4295-8337-371E646493AD}"/>
                   </a:ext>
                 </a:extLst>
               </p:cNvPr>
@@ -9932,7 +9936,7 @@
             </p:nvSpPr>
             <p:spPr>
               <a:xfrm>
-                <a:off x="780356" y="3588481"/>
+                <a:off x="780356" y="3670491"/>
                 <a:ext cx="434118" cy="523220"/>
               </a:xfrm>
               <a:prstGeom prst="rect">
@@ -9965,7 +9969,7 @@
           <p:cNvPr id="2272" name="左中かっこ 2271">
             <a:extLst>
               <a:ext uri="{FF2B5EF4-FFF2-40B4-BE49-F238E27FC236}">
-                <a16:creationId xmlns:a16="http://schemas.microsoft.com/office/drawing/2014/main" xmlns="" id="{7484E61E-C510-4FF0-978A-471330A22C3C}"/>
+                <a16:creationId xmlns="" xmlns:a16="http://schemas.microsoft.com/office/drawing/2014/main" id="{7484E61E-C510-4FF0-978A-471330A22C3C}"/>
               </a:ext>
             </a:extLst>
           </p:cNvPr>
@@ -9974,7 +9978,7 @@
         </p:nvSpPr>
         <p:spPr>
           <a:xfrm>
-            <a:off x="1387930" y="637205"/>
+            <a:off x="1387930" y="719215"/>
             <a:ext cx="125728" cy="1242466"/>
           </a:xfrm>
           <a:prstGeom prst="leftBrace">
@@ -10013,18 +10017,18 @@
           <a:lstStyle/>
           <a:p>
             <a:pPr algn="ctr"/>
-            <a:endParaRPr kumimoji="1" lang="ja-JP" altLang="en-US"/>
+            <a:endParaRPr lang="ja-JP" altLang="en-US"/>
           </a:p>
         </p:txBody>
       </p:sp>
-      <mc:AlternateContent xmlns:mc="http://schemas.openxmlformats.org/markup-compatibility/2006" xmlns:a14="http://schemas.microsoft.com/office/drawing/2010/main">
-        <mc:Choice Requires="a14">
+      <mc:AlternateContent xmlns:mc="http://schemas.openxmlformats.org/markup-compatibility/2006">
+        <mc:Choice xmlns:a14="http://schemas.microsoft.com/office/drawing/2010/main" Requires="a14">
           <p:sp>
             <p:nvSpPr>
               <p:cNvPr id="2273" name="テキスト ボックス 2272">
                 <a:extLst>
                   <a:ext uri="{FF2B5EF4-FFF2-40B4-BE49-F238E27FC236}">
-                    <a16:creationId xmlns:a16="http://schemas.microsoft.com/office/drawing/2014/main" xmlns="" id="{6DAFFFD6-997E-4295-8337-371E646493AD}"/>
+                    <a16:creationId xmlns="" xmlns:a16="http://schemas.microsoft.com/office/drawing/2014/main" id="{6DAFFFD6-997E-4295-8337-371E646493AD}"/>
                   </a:ext>
                 </a:extLst>
               </p:cNvPr>
@@ -10033,7 +10037,7 @@
             </p:nvSpPr>
             <p:spPr>
               <a:xfrm>
-                <a:off x="0" y="995570"/>
+                <a:off x="4" y="1077584"/>
                 <a:ext cx="1691397" cy="461665"/>
               </a:xfrm>
               <a:prstGeom prst="rect">
@@ -10050,13 +10054,13 @@
                 <a14:m>
                   <m:oMath xmlns:m="http://schemas.openxmlformats.org/officeDocument/2006/math">
                     <m:r>
-                      <a:rPr kumimoji="1" lang="en-US" altLang="ja-JP" sz="2400" b="0" i="1" smtClean="0">
+                      <a:rPr lang="en-US" altLang="ja-JP" sz="2400" i="1">
                         <a:latin typeface="Cambria Math" panose="02040503050406030204" pitchFamily="18" charset="0"/>
                       </a:rPr>
                       <m:t>8</m:t>
                     </m:r>
                     <m:r>
-                      <a:rPr kumimoji="1" lang="en-US" altLang="ja-JP" sz="2400" b="0" i="1" smtClean="0">
+                      <a:rPr lang="en-US" altLang="ja-JP" sz="2400" i="1">
                         <a:latin typeface="Cambria Math" panose="02040503050406030204" pitchFamily="18" charset="0"/>
                       </a:rPr>
                       <m:t>𝑠</m:t>
@@ -10064,14 +10068,14 @@
                     <m:sSup>
                       <m:sSupPr>
                         <m:ctrlPr>
-                          <a:rPr kumimoji="1" lang="en-US" altLang="ja-JP" sz="2400" b="0" i="1" smtClean="0">
+                          <a:rPr lang="en-US" altLang="ja-JP" sz="2400" i="1">
                             <a:latin typeface="Cambria Math" panose="02040503050406030204" pitchFamily="18" charset="0"/>
                           </a:rPr>
                         </m:ctrlPr>
                       </m:sSupPr>
                       <m:e>
                         <m:r>
-                          <a:rPr kumimoji="1" lang="en-US" altLang="ja-JP" sz="2400" b="0" i="1" smtClean="0">
+                          <a:rPr lang="en-US" altLang="ja-JP" sz="2400" i="1">
                             <a:latin typeface="Cambria Math" panose="02040503050406030204" pitchFamily="18" charset="0"/>
                           </a:rPr>
                           <m:t>𝑡</m:t>
@@ -10079,7 +10083,7 @@
                       </m:e>
                       <m:sup>
                         <m:r>
-                          <a:rPr kumimoji="1" lang="en-US" altLang="ja-JP" sz="2400" b="0" i="1" smtClean="0">
+                          <a:rPr lang="en-US" altLang="ja-JP" sz="2400" i="1">
                             <a:latin typeface="Cambria Math" panose="02040503050406030204" pitchFamily="18" charset="0"/>
                           </a:rPr>
                           <m:t>2</m:t>
@@ -10089,13 +10093,13 @@
                   </m:oMath>
                 </a14:m>
                 <a:r>
-                  <a:rPr kumimoji="1" lang="en-US" altLang="ja-JP" sz="2400" b="0" dirty="0" smtClean="0"/>
+                  <a:rPr lang="en-US" altLang="ja-JP" sz="2400" dirty="0"/>
                   <a:t>+</a:t>
                 </a:r>
                 <a14:m>
                   <m:oMath xmlns:m="http://schemas.openxmlformats.org/officeDocument/2006/math">
                     <m:r>
-                      <a:rPr kumimoji="1" lang="en-US" altLang="ja-JP" sz="2400" b="0" i="1" smtClean="0">
+                      <a:rPr lang="en-US" altLang="ja-JP" sz="2400" i="1">
                         <a:latin typeface="Cambria Math" panose="02040503050406030204" pitchFamily="18" charset="0"/>
                       </a:rPr>
                       <m:t>8</m:t>
@@ -10103,14 +10107,14 @@
                     <m:sSup>
                       <m:sSupPr>
                         <m:ctrlPr>
-                          <a:rPr kumimoji="1" lang="en-US" altLang="ja-JP" sz="2400" b="0" i="1" smtClean="0">
+                          <a:rPr lang="en-US" altLang="ja-JP" sz="2400" i="1">
                             <a:latin typeface="Cambria Math" panose="02040503050406030204" pitchFamily="18" charset="0"/>
                           </a:rPr>
                         </m:ctrlPr>
                       </m:sSupPr>
                       <m:e>
                         <m:r>
-                          <a:rPr kumimoji="1" lang="en-US" altLang="ja-JP" sz="2400" b="0" i="1" smtClean="0">
+                          <a:rPr lang="en-US" altLang="ja-JP" sz="2400" i="1">
                             <a:latin typeface="Cambria Math" panose="02040503050406030204" pitchFamily="18" charset="0"/>
                           </a:rPr>
                           <m:t>𝑡</m:t>
@@ -10118,7 +10122,7 @@
                       </m:e>
                       <m:sup>
                         <m:r>
-                          <a:rPr kumimoji="1" lang="en-US" altLang="ja-JP" sz="2400" b="0" i="1" smtClean="0">
+                          <a:rPr lang="en-US" altLang="ja-JP" sz="2400" i="1">
                             <a:latin typeface="Cambria Math" panose="02040503050406030204" pitchFamily="18" charset="0"/>
                           </a:rPr>
                           <m:t>2</m:t>
@@ -10127,18 +10131,18 @@
                     </m:sSup>
                   </m:oMath>
                 </a14:m>
-                <a:endParaRPr kumimoji="1" lang="en-US" altLang="ja-JP" sz="2400" b="0" dirty="0"/>
+                <a:endParaRPr lang="en-US" altLang="ja-JP" sz="2400" dirty="0"/>
               </a:p>
             </p:txBody>
           </p:sp>
         </mc:Choice>
-        <mc:Fallback xmlns="">
+        <mc:Fallback>
           <p:sp>
             <p:nvSpPr>
               <p:cNvPr id="2273" name="テキスト ボックス 2272">
                 <a:extLst>
                   <a:ext uri="{FF2B5EF4-FFF2-40B4-BE49-F238E27FC236}">
-                    <a16:creationId xmlns:a16="http://schemas.microsoft.com/office/drawing/2014/main" xmlns="" xmlns:a14="http://schemas.microsoft.com/office/drawing/2010/main" id="{6DAFFFD6-997E-4295-8337-371E646493AD}"/>
+                    <a16:creationId xmlns="" xmlns:a16="http://schemas.microsoft.com/office/drawing/2014/main" xmlns:a14="http://schemas.microsoft.com/office/drawing/2010/main" id="{6DAFFFD6-997E-4295-8337-371E646493AD}"/>
                   </a:ext>
                 </a:extLst>
               </p:cNvPr>
@@ -10149,7 +10153,7 @@
             </p:nvSpPr>
             <p:spPr>
               <a:xfrm>
-                <a:off x="0" y="995570"/>
+                <a:off x="4" y="1077584"/>
                 <a:ext cx="1691397" cy="461665"/>
               </a:xfrm>
               <a:prstGeom prst="rect">
@@ -10185,7 +10189,7 @@
         </p:nvSpPr>
         <p:spPr>
           <a:xfrm rot="16200000">
-            <a:off x="5430048" y="4208362"/>
+            <a:off x="5430052" y="4290376"/>
             <a:ext cx="199347" cy="2309663"/>
           </a:xfrm>
           <a:prstGeom prst="leftBrace">
@@ -10224,7 +10228,7 @@
           <a:lstStyle/>
           <a:p>
             <a:pPr algn="ctr"/>
-            <a:endParaRPr kumimoji="1" lang="ja-JP" altLang="en-US"/>
+            <a:endParaRPr lang="ja-JP" altLang="en-US"/>
           </a:p>
         </p:txBody>
       </p:sp>
@@ -10236,7 +10240,7 @@
         </p:nvSpPr>
         <p:spPr>
           <a:xfrm rot="16200000">
-            <a:off x="10571547" y="4671418"/>
+            <a:off x="10571547" y="4753432"/>
             <a:ext cx="188240" cy="1394657"/>
           </a:xfrm>
           <a:prstGeom prst="leftBrace">
@@ -10275,7 +10279,7 @@
           <a:lstStyle/>
           <a:p>
             <a:pPr algn="ctr"/>
-            <a:endParaRPr kumimoji="1" lang="ja-JP" altLang="en-US"/>
+            <a:endParaRPr lang="ja-JP" altLang="en-US"/>
           </a:p>
         </p:txBody>
       </p:sp>
@@ -10287,7 +10291,7 @@
         </p:nvSpPr>
         <p:spPr>
           <a:xfrm rot="16200000">
-            <a:off x="8243003" y="3737532"/>
+            <a:off x="8243003" y="3819546"/>
             <a:ext cx="167284" cy="3283385"/>
           </a:xfrm>
           <a:prstGeom prst="leftBrace">
@@ -10326,7 +10330,7 @@
           <a:lstStyle/>
           <a:p>
             <a:pPr algn="ctr"/>
-            <a:endParaRPr kumimoji="1" lang="ja-JP" altLang="en-US"/>
+            <a:endParaRPr lang="ja-JP" altLang="en-US"/>
           </a:p>
         </p:txBody>
       </p:sp>
@@ -10338,7 +10342,7 @@
         </p:nvSpPr>
         <p:spPr>
           <a:xfrm rot="16200000">
-            <a:off x="3118380" y="4187569"/>
+            <a:off x="3118384" y="4269583"/>
             <a:ext cx="116493" cy="2324001"/>
           </a:xfrm>
           <a:prstGeom prst="leftBrace">
@@ -10377,7 +10381,7 @@
           <a:lstStyle/>
           <a:p>
             <a:pPr algn="ctr"/>
-            <a:endParaRPr kumimoji="1" lang="ja-JP" altLang="en-US"/>
+            <a:endParaRPr lang="ja-JP" altLang="en-US"/>
           </a:p>
         </p:txBody>
       </p:sp>
@@ -10391,7 +10395,7 @@
             </p:nvSpPr>
             <p:spPr>
               <a:xfrm>
-                <a:off x="2173122" y="5379226"/>
+                <a:off x="2173122" y="5461236"/>
                 <a:ext cx="1940218" cy="523220"/>
               </a:xfrm>
               <a:prstGeom prst="rect">
@@ -10413,19 +10417,19 @@
                     </m:oMathParaPr>
                     <m:oMath xmlns:m="http://schemas.openxmlformats.org/officeDocument/2006/math">
                       <m:r>
-                        <a:rPr lang="en-US" altLang="ja-JP" sz="2800" b="0" i="1" dirty="0" smtClean="0">
+                        <a:rPr lang="en-US" altLang="ja-JP" sz="2800" i="1" dirty="0">
                           <a:latin typeface="Cambria Math" panose="02040503050406030204" pitchFamily="18" charset="0"/>
                         </a:rPr>
                         <m:t>2</m:t>
                       </m:r>
                       <m:r>
-                        <a:rPr lang="en-US" altLang="ja-JP" sz="2800" b="0" i="1" dirty="0" smtClean="0">
+                        <a:rPr lang="en-US" altLang="ja-JP" sz="2800" i="1" dirty="0">
                           <a:latin typeface="Cambria Math" panose="02040503050406030204" pitchFamily="18" charset="0"/>
                         </a:rPr>
                         <m:t>𝑛</m:t>
                       </m:r>
                       <m:r>
-                        <a:rPr lang="en-US" altLang="ja-JP" sz="2800" b="0" i="1" dirty="0" smtClean="0">
+                        <a:rPr lang="en-US" altLang="ja-JP" sz="2800" i="1" dirty="0">
                           <a:latin typeface="Cambria Math" panose="02040503050406030204" pitchFamily="18" charset="0"/>
                         </a:rPr>
                         <m:t>−1</m:t>
@@ -10433,7 +10437,7 @@
                     </m:oMath>
                   </m:oMathPara>
                 </a14:m>
-                <a:endParaRPr kumimoji="1" lang="ja-JP" altLang="en-US" sz="2800" dirty="0"/>
+                <a:endParaRPr lang="ja-JP" altLang="en-US" sz="2800" dirty="0"/>
               </a:p>
             </p:txBody>
           </p:sp>
@@ -10449,7 +10453,7 @@
             </p:nvSpPr>
             <p:spPr>
               <a:xfrm>
-                <a:off x="2173122" y="5379226"/>
+                <a:off x="2173122" y="5461236"/>
                 <a:ext cx="1940218" cy="523220"/>
               </a:xfrm>
               <a:prstGeom prst="rect">
@@ -10484,7 +10488,7 @@
               <p:cNvPr id="2279" name="テキスト ボックス 2278">
                 <a:extLst>
                   <a:ext uri="{FF2B5EF4-FFF2-40B4-BE49-F238E27FC236}">
-                    <a16:creationId xmlns:a16="http://schemas.microsoft.com/office/drawing/2014/main" xmlns="" id="{E4C3C1CC-7DFB-4879-9982-E12AF92D5157}"/>
+                    <a16:creationId xmlns="" xmlns:a16="http://schemas.microsoft.com/office/drawing/2014/main" id="{E4C3C1CC-7DFB-4879-9982-E12AF92D5157}"/>
                   </a:ext>
                 </a:extLst>
               </p:cNvPr>
@@ -10493,7 +10497,7 @@
             </p:nvSpPr>
             <p:spPr>
               <a:xfrm>
-                <a:off x="7360865" y="5376474"/>
+                <a:off x="7360865" y="5458484"/>
                 <a:ext cx="1873276" cy="523220"/>
               </a:xfrm>
               <a:prstGeom prst="rect">
@@ -10515,19 +10519,19 @@
                     </m:oMathParaPr>
                     <m:oMath xmlns:m="http://schemas.openxmlformats.org/officeDocument/2006/math">
                       <m:r>
-                        <a:rPr lang="en-US" altLang="ja-JP" sz="2800" b="0" i="1" dirty="0" smtClean="0">
+                        <a:rPr lang="en-US" altLang="ja-JP" sz="2800" i="1" dirty="0">
                           <a:latin typeface="Cambria Math" panose="02040503050406030204" pitchFamily="18" charset="0"/>
                         </a:rPr>
                         <m:t>2</m:t>
                       </m:r>
                       <m:r>
-                        <a:rPr lang="en-US" altLang="ja-JP" sz="2800" b="0" i="1" dirty="0" smtClean="0">
+                        <a:rPr lang="en-US" altLang="ja-JP" sz="2800" i="1" dirty="0">
                           <a:latin typeface="Cambria Math" panose="02040503050406030204" pitchFamily="18" charset="0"/>
                         </a:rPr>
                         <m:t>𝑡</m:t>
                       </m:r>
                       <m:r>
-                        <a:rPr lang="en-US" altLang="ja-JP" sz="2800" b="0" i="1" dirty="0" smtClean="0">
+                        <a:rPr lang="en-US" altLang="ja-JP" sz="2800" i="1" dirty="0">
                           <a:latin typeface="Cambria Math" panose="02040503050406030204" pitchFamily="18" charset="0"/>
                         </a:rPr>
                         <m:t>−1</m:t>
@@ -10535,7 +10539,7 @@
                     </m:oMath>
                   </m:oMathPara>
                 </a14:m>
-                <a:endParaRPr kumimoji="1" lang="ja-JP" altLang="en-US" sz="2800" dirty="0"/>
+                <a:endParaRPr lang="ja-JP" altLang="en-US" sz="2800" dirty="0"/>
               </a:p>
             </p:txBody>
           </p:sp>
@@ -10546,7 +10550,7 @@
               <p:cNvPr id="2279" name="テキスト ボックス 2278">
                 <a:extLst>
                   <a:ext uri="{FF2B5EF4-FFF2-40B4-BE49-F238E27FC236}">
-                    <a16:creationId xmlns:a16="http://schemas.microsoft.com/office/drawing/2014/main" xmlns="" xmlns:a14="http://schemas.microsoft.com/office/drawing/2010/main" id="{E4C3C1CC-7DFB-4879-9982-E12AF92D5157}"/>
+                    <a16:creationId xmlns="" xmlns:a16="http://schemas.microsoft.com/office/drawing/2014/main" xmlns:a14="http://schemas.microsoft.com/office/drawing/2010/main" id="{E4C3C1CC-7DFB-4879-9982-E12AF92D5157}"/>
                   </a:ext>
                 </a:extLst>
               </p:cNvPr>
@@ -10557,7 +10561,7 @@
             </p:nvSpPr>
             <p:spPr>
               <a:xfrm>
-                <a:off x="7360865" y="5376474"/>
+                <a:off x="7360865" y="5458484"/>
                 <a:ext cx="1873276" cy="523220"/>
               </a:xfrm>
               <a:prstGeom prst="rect">
@@ -10590,7 +10594,7 @@
           <p:cNvPr id="2280" name="左中かっこ 2279">
             <a:extLst>
               <a:ext uri="{FF2B5EF4-FFF2-40B4-BE49-F238E27FC236}">
-                <a16:creationId xmlns:a16="http://schemas.microsoft.com/office/drawing/2014/main" xmlns="" id="{7484E61E-C510-4FF0-978A-471330A22C3C}"/>
+                <a16:creationId xmlns="" xmlns:a16="http://schemas.microsoft.com/office/drawing/2014/main" id="{7484E61E-C510-4FF0-978A-471330A22C3C}"/>
               </a:ext>
             </a:extLst>
           </p:cNvPr>
@@ -10599,7 +10603,7 @@
         </p:nvSpPr>
         <p:spPr>
           <a:xfrm rot="16200000">
-            <a:off x="1682708" y="5119443"/>
+            <a:off x="1682712" y="5201457"/>
             <a:ext cx="138411" cy="438331"/>
           </a:xfrm>
           <a:prstGeom prst="leftBrace">
@@ -10638,7 +10642,7 @@
           <a:lstStyle/>
           <a:p>
             <a:pPr algn="ctr"/>
-            <a:endParaRPr kumimoji="1" lang="ja-JP" altLang="en-US"/>
+            <a:endParaRPr lang="ja-JP" altLang="en-US"/>
           </a:p>
         </p:txBody>
       </p:sp>
@@ -10649,7 +10653,7 @@
               <p:cNvPr id="2281" name="テキスト ボックス 2280">
                 <a:extLst>
                   <a:ext uri="{FF2B5EF4-FFF2-40B4-BE49-F238E27FC236}">
-                    <a16:creationId xmlns:a16="http://schemas.microsoft.com/office/drawing/2014/main" xmlns="" id="{6DAFFFD6-997E-4295-8337-371E646493AD}"/>
+                    <a16:creationId xmlns="" xmlns:a16="http://schemas.microsoft.com/office/drawing/2014/main" id="{6DAFFFD6-997E-4295-8337-371E646493AD}"/>
                   </a:ext>
                 </a:extLst>
               </p:cNvPr>
@@ -10658,7 +10662,7 @@
             </p:nvSpPr>
             <p:spPr>
               <a:xfrm>
-                <a:off x="1479056" y="5378354"/>
+                <a:off x="1519212" y="5458507"/>
                 <a:ext cx="388432" cy="523197"/>
               </a:xfrm>
               <a:prstGeom prst="rect">
@@ -10680,7 +10684,7 @@
                     </m:oMathParaPr>
                     <m:oMath xmlns:m="http://schemas.openxmlformats.org/officeDocument/2006/math">
                       <m:r>
-                        <a:rPr lang="en-US" altLang="ja-JP" sz="2800" b="0" i="1" dirty="0" smtClean="0">
+                        <a:rPr lang="en-US" altLang="ja-JP" sz="2800" i="1" dirty="0">
                           <a:latin typeface="Cambria Math" panose="02040503050406030204" pitchFamily="18" charset="0"/>
                         </a:rPr>
                         <m:t>1</m:t>
@@ -10688,7 +10692,7 @@
                     </m:oMath>
                   </m:oMathPara>
                 </a14:m>
-                <a:endParaRPr kumimoji="1" lang="ja-JP" altLang="en-US" sz="2800" dirty="0"/>
+                <a:endParaRPr lang="ja-JP" altLang="en-US" sz="2800" dirty="0"/>
               </a:p>
             </p:txBody>
           </p:sp>
@@ -10699,7 +10703,7 @@
               <p:cNvPr id="2281" name="テキスト ボックス 2280">
                 <a:extLst>
                   <a:ext uri="{FF2B5EF4-FFF2-40B4-BE49-F238E27FC236}">
-                    <a16:creationId xmlns:a16="http://schemas.microsoft.com/office/drawing/2014/main" xmlns="" xmlns:a14="http://schemas.microsoft.com/office/drawing/2010/main" id="{6DAFFFD6-997E-4295-8337-371E646493AD}"/>
+                    <a16:creationId xmlns="" xmlns:a16="http://schemas.microsoft.com/office/drawing/2014/main" xmlns:a14="http://schemas.microsoft.com/office/drawing/2010/main" id="{6DAFFFD6-997E-4295-8337-371E646493AD}"/>
                   </a:ext>
                 </a:extLst>
               </p:cNvPr>
@@ -10710,7 +10714,7 @@
             </p:nvSpPr>
             <p:spPr>
               <a:xfrm>
-                <a:off x="1479056" y="5378354"/>
+                <a:off x="1519212" y="5458507"/>
                 <a:ext cx="388432" cy="523197"/>
               </a:xfrm>
               <a:prstGeom prst="rect">
@@ -10745,7 +10749,7 @@
               <p:cNvPr id="2282" name="テキスト ボックス 2281">
                 <a:extLst>
                   <a:ext uri="{FF2B5EF4-FFF2-40B4-BE49-F238E27FC236}">
-                    <a16:creationId xmlns:a16="http://schemas.microsoft.com/office/drawing/2014/main" xmlns="" id="{07010F26-716B-423D-9E77-19B5E202747E}"/>
+                    <a16:creationId xmlns="" xmlns:a16="http://schemas.microsoft.com/office/drawing/2014/main" id="{07010F26-716B-423D-9E77-19B5E202747E}"/>
                   </a:ext>
                 </a:extLst>
               </p:cNvPr>
@@ -10754,7 +10758,7 @@
             </p:nvSpPr>
             <p:spPr>
               <a:xfrm>
-                <a:off x="4383583" y="5378354"/>
+                <a:off x="4383587" y="5460364"/>
                 <a:ext cx="2358855" cy="523220"/>
               </a:xfrm>
               <a:prstGeom prst="rect">
@@ -10776,37 +10780,37 @@
                     </m:oMathParaPr>
                     <m:oMath xmlns:m="http://schemas.openxmlformats.org/officeDocument/2006/math">
                       <m:r>
-                        <a:rPr lang="en-US" altLang="ja-JP" sz="2800" b="0" i="1" dirty="0" smtClean="0">
+                        <a:rPr lang="en-US" altLang="ja-JP" sz="2800" i="1" dirty="0">
                           <a:latin typeface="Cambria Math" panose="02040503050406030204" pitchFamily="18" charset="0"/>
                         </a:rPr>
                         <m:t>2</m:t>
                       </m:r>
                       <m:r>
-                        <a:rPr lang="en-US" altLang="ja-JP" sz="2800" b="0" i="1" dirty="0" smtClean="0">
+                        <a:rPr lang="en-US" altLang="ja-JP" sz="2800" i="1" dirty="0">
                           <a:latin typeface="Cambria Math" panose="02040503050406030204" pitchFamily="18" charset="0"/>
                         </a:rPr>
                         <m:t>𝑠𝑡</m:t>
                       </m:r>
                       <m:r>
-                        <a:rPr lang="en-US" altLang="ja-JP" sz="2800" b="0" i="1" dirty="0" smtClean="0">
+                        <a:rPr lang="en-US" altLang="ja-JP" sz="2800" i="1" dirty="0">
                           <a:latin typeface="Cambria Math" panose="02040503050406030204" pitchFamily="18" charset="0"/>
                         </a:rPr>
                         <m:t>+2</m:t>
                       </m:r>
                       <m:r>
-                        <a:rPr lang="en-US" altLang="ja-JP" sz="2800" b="0" i="1" dirty="0" smtClean="0">
+                        <a:rPr lang="en-US" altLang="ja-JP" sz="2800" i="1" dirty="0">
                           <a:latin typeface="Cambria Math" panose="02040503050406030204" pitchFamily="18" charset="0"/>
                         </a:rPr>
                         <m:t>𝑡</m:t>
                       </m:r>
                       <m:r>
-                        <a:rPr lang="en-US" altLang="ja-JP" sz="2800" b="0" i="0" dirty="0" smtClean="0">
+                        <a:rPr lang="en-US" altLang="ja-JP" sz="2800" dirty="0">
                           <a:latin typeface="Cambria Math" panose="02040503050406030204" pitchFamily="18" charset="0"/>
                         </a:rPr>
                         <m:t>−2</m:t>
                       </m:r>
                       <m:r>
-                        <a:rPr lang="en-US" altLang="ja-JP" sz="2800" b="0" i="1" dirty="0" smtClean="0">
+                        <a:rPr lang="en-US" altLang="ja-JP" sz="2800" i="1" dirty="0">
                           <a:latin typeface="Cambria Math" panose="02040503050406030204" pitchFamily="18" charset="0"/>
                         </a:rPr>
                         <m:t>𝑛</m:t>
@@ -10814,7 +10818,7 @@
                     </m:oMath>
                   </m:oMathPara>
                 </a14:m>
-                <a:endParaRPr kumimoji="1" lang="ja-JP" altLang="en-US" sz="2800" i="1" dirty="0"/>
+                <a:endParaRPr lang="ja-JP" altLang="en-US" sz="2800" i="1" dirty="0"/>
               </a:p>
             </p:txBody>
           </p:sp>
@@ -10825,7 +10829,7 @@
               <p:cNvPr id="2282" name="テキスト ボックス 2281">
                 <a:extLst>
                   <a:ext uri="{FF2B5EF4-FFF2-40B4-BE49-F238E27FC236}">
-                    <a16:creationId xmlns:a16="http://schemas.microsoft.com/office/drawing/2014/main" xmlns="" xmlns:a14="http://schemas.microsoft.com/office/drawing/2010/main" id="{07010F26-716B-423D-9E77-19B5E202747E}"/>
+                    <a16:creationId xmlns="" xmlns:a16="http://schemas.microsoft.com/office/drawing/2014/main" xmlns:a14="http://schemas.microsoft.com/office/drawing/2010/main" id="{07010F26-716B-423D-9E77-19B5E202747E}"/>
                   </a:ext>
                 </a:extLst>
               </p:cNvPr>
@@ -10836,7 +10840,7 @@
             </p:nvSpPr>
             <p:spPr>
               <a:xfrm>
-                <a:off x="4383583" y="5378354"/>
+                <a:off x="4383587" y="5460364"/>
                 <a:ext cx="2358855" cy="523220"/>
               </a:xfrm>
               <a:prstGeom prst="rect">
@@ -10871,7 +10875,7 @@
               <p:cNvPr id="2283" name="テキスト ボックス 2282">
                 <a:extLst>
                   <a:ext uri="{FF2B5EF4-FFF2-40B4-BE49-F238E27FC236}">
-                    <a16:creationId xmlns:a16="http://schemas.microsoft.com/office/drawing/2014/main" xmlns="" id="{65944549-9B1C-4094-8DD6-656F7C2BBAD6}"/>
+                    <a16:creationId xmlns="" xmlns:a16="http://schemas.microsoft.com/office/drawing/2014/main" id="{65944549-9B1C-4094-8DD6-656F7C2BBAD6}"/>
                   </a:ext>
                 </a:extLst>
               </p:cNvPr>
@@ -10880,7 +10884,7 @@
             </p:nvSpPr>
             <p:spPr>
               <a:xfrm>
-                <a:off x="10221900" y="5368037"/>
+                <a:off x="10221900" y="5450047"/>
                 <a:ext cx="887534" cy="523220"/>
               </a:xfrm>
               <a:prstGeom prst="rect">
@@ -10902,13 +10906,13 @@
                     </m:oMathParaPr>
                     <m:oMath xmlns:m="http://schemas.openxmlformats.org/officeDocument/2006/math">
                       <m:r>
-                        <a:rPr lang="en-US" altLang="ja-JP" sz="2800" b="0" i="1" dirty="0" smtClean="0">
+                        <a:rPr lang="en-US" altLang="ja-JP" sz="2800" i="1" dirty="0">
                           <a:latin typeface="Cambria Math" panose="02040503050406030204" pitchFamily="18" charset="0"/>
                         </a:rPr>
                         <m:t>2</m:t>
                       </m:r>
                       <m:r>
-                        <a:rPr lang="en-US" altLang="ja-JP" sz="2800" b="0" i="1" dirty="0" smtClean="0">
+                        <a:rPr lang="en-US" altLang="ja-JP" sz="2800" i="1" dirty="0">
                           <a:latin typeface="Cambria Math" panose="02040503050406030204" pitchFamily="18" charset="0"/>
                         </a:rPr>
                         <m:t>𝑠𝑡</m:t>
@@ -10916,7 +10920,7 @@
                     </m:oMath>
                   </m:oMathPara>
                 </a14:m>
-                <a:endParaRPr kumimoji="1" lang="ja-JP" altLang="en-US" sz="2800" dirty="0"/>
+                <a:endParaRPr lang="ja-JP" altLang="en-US" sz="2800" dirty="0"/>
               </a:p>
             </p:txBody>
           </p:sp>
@@ -10927,7 +10931,7 @@
               <p:cNvPr id="2283" name="テキスト ボックス 2282">
                 <a:extLst>
                   <a:ext uri="{FF2B5EF4-FFF2-40B4-BE49-F238E27FC236}">
-                    <a16:creationId xmlns:a16="http://schemas.microsoft.com/office/drawing/2014/main" xmlns="" xmlns:a14="http://schemas.microsoft.com/office/drawing/2010/main" id="{65944549-9B1C-4094-8DD6-656F7C2BBAD6}"/>
+                    <a16:creationId xmlns="" xmlns:a16="http://schemas.microsoft.com/office/drawing/2014/main" xmlns:a14="http://schemas.microsoft.com/office/drawing/2010/main" id="{65944549-9B1C-4094-8DD6-656F7C2BBAD6}"/>
                   </a:ext>
                 </a:extLst>
               </p:cNvPr>
@@ -10938,7 +10942,7 @@
             </p:nvSpPr>
             <p:spPr>
               <a:xfrm>
-                <a:off x="10221900" y="5368037"/>
+                <a:off x="10221900" y="5450047"/>
                 <a:ext cx="887534" cy="523220"/>
               </a:xfrm>
               <a:prstGeom prst="rect">
@@ -10966,14 +10970,14 @@
           </p:sp>
         </mc:Fallback>
       </mc:AlternateContent>
-      <mc:AlternateContent xmlns:mc="http://schemas.openxmlformats.org/markup-compatibility/2006" xmlns:a14="http://schemas.microsoft.com/office/drawing/2010/main">
-        <mc:Choice Requires="a14">
+      <mc:AlternateContent xmlns:mc="http://schemas.openxmlformats.org/markup-compatibility/2006">
+        <mc:Choice xmlns:a14="http://schemas.microsoft.com/office/drawing/2010/main" Requires="a14">
           <p:sp>
             <p:nvSpPr>
               <p:cNvPr id="2284" name="テキスト ボックス 2283">
                 <a:extLst>
                   <a:ext uri="{FF2B5EF4-FFF2-40B4-BE49-F238E27FC236}">
-                    <a16:creationId xmlns:a16="http://schemas.microsoft.com/office/drawing/2014/main" xmlns="" id="{7FF99950-E7CA-404A-865F-5BBFC675F700}"/>
+                    <a16:creationId xmlns="" xmlns:a16="http://schemas.microsoft.com/office/drawing/2014/main" id="{7FF99950-E7CA-404A-865F-5BBFC675F700}"/>
                   </a:ext>
                 </a:extLst>
               </p:cNvPr>
@@ -10982,7 +10986,7 @@
             </p:nvSpPr>
             <p:spPr>
               <a:xfrm>
-                <a:off x="1971079" y="57870"/>
+                <a:off x="1971079" y="139881"/>
                 <a:ext cx="434118" cy="461665"/>
               </a:xfrm>
               <a:prstGeom prst="rect">
@@ -11004,13 +11008,13 @@
                     </m:oMathParaPr>
                     <m:oMath xmlns:m="http://schemas.openxmlformats.org/officeDocument/2006/math">
                       <m:r>
-                        <a:rPr kumimoji="1" lang="en-US" altLang="ja-JP" sz="2400" b="0" i="1" smtClean="0">
+                        <a:rPr lang="en-US" altLang="ja-JP" sz="2400" i="1">
                           <a:latin typeface="Cambria Math" panose="02040503050406030204" pitchFamily="18" charset="0"/>
                         </a:rPr>
                         <m:t>2</m:t>
                       </m:r>
                       <m:r>
-                        <a:rPr kumimoji="1" lang="en-US" altLang="ja-JP" sz="2400" b="0" i="1" smtClean="0">
+                        <a:rPr lang="en-US" altLang="ja-JP" sz="2400" i="1">
                           <a:latin typeface="Cambria Math" panose="02040503050406030204" pitchFamily="18" charset="0"/>
                         </a:rPr>
                         <m:t>𝑡</m:t>
@@ -11018,18 +11022,18 @@
                     </m:oMath>
                   </m:oMathPara>
                 </a14:m>
-                <a:endParaRPr kumimoji="1" lang="en-US" altLang="ja-JP" sz="2400" b="0" dirty="0"/>
+                <a:endParaRPr lang="en-US" altLang="ja-JP" sz="2400" dirty="0"/>
               </a:p>
             </p:txBody>
           </p:sp>
         </mc:Choice>
-        <mc:Fallback xmlns="">
+        <mc:Fallback>
           <p:sp>
             <p:nvSpPr>
               <p:cNvPr id="2284" name="テキスト ボックス 2283">
                 <a:extLst>
                   <a:ext uri="{FF2B5EF4-FFF2-40B4-BE49-F238E27FC236}">
-                    <a16:creationId xmlns:a16="http://schemas.microsoft.com/office/drawing/2014/main" xmlns="" xmlns:a14="http://schemas.microsoft.com/office/drawing/2010/main" id="{7FF99950-E7CA-404A-865F-5BBFC675F700}"/>
+                    <a16:creationId xmlns="" xmlns:a16="http://schemas.microsoft.com/office/drawing/2014/main" xmlns:a14="http://schemas.microsoft.com/office/drawing/2010/main" id="{7FF99950-E7CA-404A-865F-5BBFC675F700}"/>
                   </a:ext>
                 </a:extLst>
               </p:cNvPr>
@@ -11040,7 +11044,7 @@
             </p:nvSpPr>
             <p:spPr>
               <a:xfrm>
-                <a:off x="1971079" y="57870"/>
+                <a:off x="1971079" y="139881"/>
                 <a:ext cx="434118" cy="461665"/>
               </a:xfrm>
               <a:prstGeom prst="rect">
@@ -11091,7 +11095,7 @@
 <file path=ppt/theme/theme1.xml><?xml version="1.0" encoding="utf-8"?>
 <a:theme xmlns:a="http://schemas.openxmlformats.org/drawingml/2006/main" name="Office テーマ">
   <a:themeElements>
-    <a:clrScheme name="Office">
+    <a:clrScheme name="Office テーマ">
       <a:dk1>
         <a:sysClr val="windowText" lastClr="000000"/>
       </a:dk1>
@@ -11129,7 +11133,7 @@
         <a:srgbClr val="954F72"/>
       </a:folHlink>
     </a:clrScheme>
-    <a:fontScheme name="Office">
+    <a:fontScheme name="Office テーマ">
       <a:majorFont>
         <a:latin typeface="Calibri Light" panose="020F0302020204030204"/>
         <a:ea typeface=""/>
@@ -11201,7 +11205,7 @@
         <a:font script="Geor" typeface="Sylfaen"/>
       </a:minorFont>
     </a:fontScheme>
-    <a:fmtScheme name="Office">
+    <a:fmtScheme name="Office テーマ">
       <a:fillStyleLst>
         <a:solidFill>
           <a:schemeClr val="phClr"/>
